--- a/Chicago Office Building.pptx
+++ b/Chicago Office Building.pptx
@@ -5,18 +5,17 @@
     <p:sldMasterId id="2147483746" r:id="rId1"/>
   </p:sldMasterIdLst>
   <p:sldIdLst>
-    <p:sldId id="257" r:id="rId2"/>
-    <p:sldId id="259" r:id="rId3"/>
-    <p:sldId id="261" r:id="rId4"/>
-    <p:sldId id="260" r:id="rId5"/>
-    <p:sldId id="266" r:id="rId6"/>
-    <p:sldId id="267" r:id="rId7"/>
-    <p:sldId id="280" r:id="rId8"/>
-    <p:sldId id="281" r:id="rId9"/>
-    <p:sldId id="282" r:id="rId10"/>
-    <p:sldId id="269" r:id="rId11"/>
-    <p:sldId id="270" r:id="rId12"/>
-    <p:sldId id="283" r:id="rId13"/>
+    <p:sldId id="259" r:id="rId2"/>
+    <p:sldId id="286" r:id="rId3"/>
+    <p:sldId id="260" r:id="rId4"/>
+    <p:sldId id="267" r:id="rId5"/>
+    <p:sldId id="280" r:id="rId6"/>
+    <p:sldId id="281" r:id="rId7"/>
+    <p:sldId id="282" r:id="rId8"/>
+    <p:sldId id="269" r:id="rId9"/>
+    <p:sldId id="270" r:id="rId10"/>
+    <p:sldId id="287" r:id="rId11"/>
+    <p:sldId id="261" r:id="rId12"/>
   </p:sldIdLst>
   <p:sldSz cx="12192000" cy="6858000"/>
   <p:notesSz cx="6858000" cy="9144000"/>
@@ -3644,7 +3643,7 @@
           <a:p>
             <a:fld id="{9184DA70-C731-4C70-880D-CCD4705E623C}" type="datetime1">
               <a:rPr lang="en-US" smtClean="0"/>
-              <a:t>2/14/2020</a:t>
+              <a:t>2/15/2020</a:t>
             </a:fld>
             <a:endParaRPr lang="en-US" dirty="0"/>
           </a:p>
@@ -3832,7 +3831,7 @@
           <a:p>
             <a:fld id="{B612A279-0833-481D-8C56-F67FD0AC6C50}" type="datetime1">
               <a:rPr lang="en-US" smtClean="0"/>
-              <a:t>2/14/2020</a:t>
+              <a:t>2/15/2020</a:t>
             </a:fld>
             <a:endParaRPr lang="en-US" dirty="0"/>
           </a:p>
@@ -4074,7 +4073,7 @@
           <a:p>
             <a:fld id="{6587DA83-5663-4C9C-B9AA-0B40A3DAFF81}" type="datetime1">
               <a:rPr lang="en-US" smtClean="0"/>
-              <a:t>2/14/2020</a:t>
+              <a:t>2/15/2020</a:t>
             </a:fld>
             <a:endParaRPr lang="en-US" dirty="0"/>
           </a:p>
@@ -4262,7 +4261,7 @@
           <a:p>
             <a:fld id="{4BE1D723-8F53-4F53-90B0-1982A396982E}" type="datetime1">
               <a:rPr lang="en-US" smtClean="0"/>
-              <a:t>2/14/2020</a:t>
+              <a:t>2/15/2020</a:t>
             </a:fld>
             <a:endParaRPr lang="en-US" dirty="0"/>
           </a:p>
@@ -4635,7 +4634,7 @@
           <a:p>
             <a:fld id="{97669AF7-7BEB-44E4-9852-375E34362B5B}" type="datetime1">
               <a:rPr lang="en-US" smtClean="0"/>
-              <a:t>2/14/2020</a:t>
+              <a:t>2/15/2020</a:t>
             </a:fld>
             <a:endParaRPr lang="en-US" dirty="0"/>
           </a:p>
@@ -4890,7 +4889,7 @@
           <a:p>
             <a:fld id="{BAAAC38D-0552-4C82-B593-E6124DFADBE2}" type="datetime1">
               <a:rPr lang="en-US" smtClean="0"/>
-              <a:t>2/14/2020</a:t>
+              <a:t>2/15/2020</a:t>
             </a:fld>
             <a:endParaRPr lang="en-US" dirty="0"/>
           </a:p>
@@ -5287,7 +5286,7 @@
           <a:p>
             <a:fld id="{D9DF0F1C-5577-4ACB-BB62-DF8F3C494C7E}" type="datetime1">
               <a:rPr lang="en-US" smtClean="0"/>
-              <a:t>2/14/2020</a:t>
+              <a:t>2/15/2020</a:t>
             </a:fld>
             <a:endParaRPr lang="en-US" dirty="0"/>
           </a:p>
@@ -5423,7 +5422,7 @@
           <a:p>
             <a:fld id="{1775B394-D9F9-4F0C-B15D-605F45CB9E9F}" type="datetime1">
               <a:rPr lang="en-US" smtClean="0"/>
-              <a:t>2/14/2020</a:t>
+              <a:t>2/15/2020</a:t>
             </a:fld>
             <a:endParaRPr lang="en-US" dirty="0"/>
           </a:p>
@@ -5580,7 +5579,7 @@
           <a:p>
             <a:fld id="{39667345-2558-425A-8533-9BFDBCE15005}" type="datetime1">
               <a:rPr lang="en-US" smtClean="0"/>
-              <a:t>2/14/2020</a:t>
+              <a:t>2/15/2020</a:t>
             </a:fld>
             <a:endParaRPr lang="en-US" dirty="0"/>
           </a:p>
@@ -5909,7 +5908,7 @@
           <a:p>
             <a:fld id="{92BEA474-078D-4E9B-9B14-09A87B19DC46}" type="datetime1">
               <a:rPr lang="en-US" smtClean="0"/>
-              <a:t>2/14/2020</a:t>
+              <a:t>2/15/2020</a:t>
             </a:fld>
             <a:endParaRPr lang="en-US" dirty="0"/>
           </a:p>
@@ -6259,7 +6258,7 @@
           <a:p>
             <a:fld id="{4907D986-8816-4272-A432-0437A28A9828}" type="datetime1">
               <a:rPr lang="en-US" smtClean="0"/>
-              <a:t>2/14/2020</a:t>
+              <a:t>2/15/2020</a:t>
             </a:fld>
             <a:endParaRPr lang="en-US" dirty="0"/>
           </a:p>
@@ -6520,7 +6519,7 @@
           <a:p>
             <a:fld id="{62D6E202-B606-4609-B914-27C9371A1F6D}" type="datetime1">
               <a:rPr lang="en-US" smtClean="0"/>
-              <a:t>2/14/2020</a:t>
+              <a:t>2/15/2020</a:t>
             </a:fld>
             <a:endParaRPr lang="en-US" dirty="0"/>
           </a:p>
@@ -7029,1004 +7028,6 @@
 <file path=ppt/slides/slide1.xml><?xml version="1.0" encoding="utf-8"?>
 <p:sld xmlns:a="http://schemas.openxmlformats.org/drawingml/2006/main" xmlns:r="http://schemas.openxmlformats.org/officeDocument/2006/relationships" xmlns:p="http://schemas.openxmlformats.org/presentationml/2006/main">
   <p:cSld>
-    <p:bg>
-      <p:bgPr>
-        <a:solidFill>
-          <a:schemeClr val="bg1"/>
-        </a:solidFill>
-        <a:effectLst/>
-      </p:bgPr>
-    </p:bg>
-    <p:spTree>
-      <p:nvGrpSpPr>
-        <p:cNvPr id="1" name=""/>
-        <p:cNvGrpSpPr/>
-        <p:nvPr/>
-      </p:nvGrpSpPr>
-      <p:grpSpPr>
-        <a:xfrm>
-          <a:off x="0" y="0"/>
-          <a:ext cx="0" cy="0"/>
-          <a:chOff x="0" y="0"/>
-          <a:chExt cx="0" cy="0"/>
-        </a:xfrm>
-      </p:grpSpPr>
-      <p:sp useBgFill="1">
-        <p:nvSpPr>
-          <p:cNvPr id="22" name="Rectangle 21">
-            <a:extLst>
-              <a:ext uri="{FF2B5EF4-FFF2-40B4-BE49-F238E27FC236}">
-                <a16:creationId xmlns:a16="http://schemas.microsoft.com/office/drawing/2014/main" id="{A9286AD2-18A9-4868-A4E3-7A2097A20810}"/>
-              </a:ext>
-              <a:ext uri="{C183D7F6-B498-43B3-948B-1728B52AA6E4}">
-                <adec:decorative xmlns:adec="http://schemas.microsoft.com/office/drawing/2017/decorative" val="1"/>
-              </a:ext>
-            </a:extLst>
-          </p:cNvPr>
-          <p:cNvSpPr>
-            <a:spLocks noGrp="1" noRot="1" noChangeAspect="1" noMove="1" noResize="1" noEditPoints="1" noAdjustHandles="1" noChangeArrowheads="1" noChangeShapeType="1" noTextEdit="1"/>
-          </p:cNvSpPr>
-          <p:nvPr>
-            <p:extLst>
-              <p:ext uri="{386F3935-93C4-4BCD-93E2-E3B085C9AB24}">
-                <p16:designElem xmlns:p16="http://schemas.microsoft.com/office/powerpoint/2015/main" val="1"/>
-              </p:ext>
-            </p:extLst>
-          </p:nvPr>
-        </p:nvSpPr>
-        <p:spPr>
-          <a:xfrm>
-            <a:off x="0" y="1"/>
-            <a:ext cx="12192001" cy="6857999"/>
-          </a:xfrm>
-          <a:prstGeom prst="rect">
-            <a:avLst/>
-          </a:prstGeom>
-          <a:ln>
-            <a:noFill/>
-          </a:ln>
-        </p:spPr>
-        <p:style>
-          <a:lnRef idx="2">
-            <a:schemeClr val="accent1">
-              <a:shade val="50000"/>
-            </a:schemeClr>
-          </a:lnRef>
-          <a:fillRef idx="1">
-            <a:schemeClr val="accent1"/>
-          </a:fillRef>
-          <a:effectRef idx="0">
-            <a:schemeClr val="accent1"/>
-          </a:effectRef>
-          <a:fontRef idx="minor">
-            <a:schemeClr val="lt1"/>
-          </a:fontRef>
-        </p:style>
-        <p:txBody>
-          <a:bodyPr rtlCol="0" anchor="ctr"/>
-          <a:lstStyle/>
-          <a:p>
-            <a:pPr algn="ctr"/>
-            <a:endParaRPr lang="en-US"/>
-          </a:p>
-        </p:txBody>
-      </p:sp>
-      <p:sp>
-        <p:nvSpPr>
-          <p:cNvPr id="2" name="Title 1">
-            <a:extLst>
-              <a:ext uri="{FF2B5EF4-FFF2-40B4-BE49-F238E27FC236}">
-                <a16:creationId xmlns:a16="http://schemas.microsoft.com/office/drawing/2014/main" id="{78FD68DA-43BA-4508-8DE2-BA9BB7B2FA5B}"/>
-              </a:ext>
-            </a:extLst>
-          </p:cNvPr>
-          <p:cNvSpPr>
-            <a:spLocks noGrp="1"/>
-          </p:cNvSpPr>
-          <p:nvPr>
-            <p:ph type="ctrTitle"/>
-          </p:nvPr>
-        </p:nvSpPr>
-        <p:spPr>
-          <a:xfrm>
-            <a:off x="5289754" y="639097"/>
-            <a:ext cx="6253317" cy="3686015"/>
-          </a:xfrm>
-        </p:spPr>
-        <p:txBody>
-          <a:bodyPr>
-            <a:normAutofit/>
-          </a:bodyPr>
-          <a:lstStyle/>
-          <a:p>
-            <a:r>
-              <a:rPr lang="en-US" dirty="0"/>
-              <a:t>Chicago Office</a:t>
-            </a:r>
-            <a:r>
-              <a:rPr lang="en-US" sz="8000" dirty="0"/>
-              <a:t> Building</a:t>
-            </a:r>
-          </a:p>
-        </p:txBody>
-      </p:sp>
-      <p:sp>
-        <p:nvSpPr>
-          <p:cNvPr id="3" name="Subtitle 2">
-            <a:extLst>
-              <a:ext uri="{FF2B5EF4-FFF2-40B4-BE49-F238E27FC236}">
-                <a16:creationId xmlns:a16="http://schemas.microsoft.com/office/drawing/2014/main" id="{A8E9CFF2-3777-4FF4-A759-8491175B0B7C}"/>
-              </a:ext>
-            </a:extLst>
-          </p:cNvPr>
-          <p:cNvSpPr>
-            <a:spLocks noGrp="1"/>
-          </p:cNvSpPr>
-          <p:nvPr>
-            <p:ph type="subTitle" idx="1"/>
-          </p:nvPr>
-        </p:nvSpPr>
-        <p:spPr>
-          <a:xfrm>
-            <a:off x="5289753" y="4672739"/>
-            <a:ext cx="6269347" cy="1021498"/>
-          </a:xfrm>
-        </p:spPr>
-        <p:txBody>
-          <a:bodyPr>
-            <a:normAutofit/>
-          </a:bodyPr>
-          <a:lstStyle/>
-          <a:p>
-            <a:r>
-              <a:rPr lang="en-US" dirty="0">
-                <a:solidFill>
-                  <a:schemeClr val="tx1">
-                    <a:lumMod val="85000"/>
-                    <a:lumOff val="15000"/>
-                  </a:schemeClr>
-                </a:solidFill>
-              </a:rPr>
-              <a:t>Tenant traffic Predictions</a:t>
-            </a:r>
-            <a:endParaRPr lang="en-US" sz="2400" dirty="0">
-              <a:solidFill>
-                <a:schemeClr val="tx1">
-                  <a:lumMod val="85000"/>
-                  <a:lumOff val="15000"/>
-                </a:schemeClr>
-              </a:solidFill>
-            </a:endParaRPr>
-          </a:p>
-        </p:txBody>
-      </p:sp>
-      <p:pic>
-        <p:nvPicPr>
-          <p:cNvPr id="5" name="Picture 4" descr="A picture containing building, sitting, bench, side&#10;&#10;Description automatically generated">
-            <a:extLst>
-              <a:ext uri="{FF2B5EF4-FFF2-40B4-BE49-F238E27FC236}">
-                <a16:creationId xmlns:a16="http://schemas.microsoft.com/office/drawing/2014/main" id="{282CF6DD-7FE8-4063-9551-1B7BBCE92ABE}"/>
-              </a:ext>
-            </a:extLst>
-          </p:cNvPr>
-          <p:cNvPicPr>
-            <a:picLocks noChangeAspect="1"/>
-          </p:cNvPicPr>
-          <p:nvPr/>
-        </p:nvPicPr>
-        <p:blipFill rotWithShape="1">
-          <a:blip r:embed="rId2">
-            <a:extLst>
-              <a:ext uri="{28A0092B-C50C-407E-A947-70E740481C1C}">
-                <a14:useLocalDpi xmlns:a14="http://schemas.microsoft.com/office/drawing/2010/main" val="0"/>
-              </a:ext>
-            </a:extLst>
-          </a:blip>
-          <a:srcRect/>
-          <a:stretch/>
-        </p:blipFill>
-        <p:spPr>
-          <a:xfrm>
-            <a:off x="-1" y="1"/>
-            <a:ext cx="4635315" cy="6857999"/>
-          </a:xfrm>
-          <a:prstGeom prst="rect">
-            <a:avLst/>
-          </a:prstGeom>
-        </p:spPr>
-      </p:pic>
-      <p:cxnSp>
-        <p:nvCxnSpPr>
-          <p:cNvPr id="24" name="Straight Connector 23">
-            <a:extLst>
-              <a:ext uri="{FF2B5EF4-FFF2-40B4-BE49-F238E27FC236}">
-                <a16:creationId xmlns:a16="http://schemas.microsoft.com/office/drawing/2014/main" id="{E7A7CD63-7EC3-44F3-95D0-595C4019FF24}"/>
-              </a:ext>
-              <a:ext uri="{C183D7F6-B498-43B3-948B-1728B52AA6E4}">
-                <adec:decorative xmlns:adec="http://schemas.microsoft.com/office/drawing/2017/decorative" val="1"/>
-              </a:ext>
-            </a:extLst>
-          </p:cNvPr>
-          <p:cNvCxnSpPr>
-            <a:cxnSpLocks noGrp="1" noRot="1" noChangeAspect="1" noMove="1" noResize="1" noEditPoints="1" noAdjustHandles="1" noChangeArrowheads="1" noChangeShapeType="1"/>
-          </p:cNvCxnSpPr>
-          <p:nvPr>
-            <p:extLst>
-              <p:ext uri="{386F3935-93C4-4BCD-93E2-E3B085C9AB24}">
-                <p16:designElem xmlns:p16="http://schemas.microsoft.com/office/powerpoint/2015/main" val="1"/>
-              </p:ext>
-            </p:extLst>
-          </p:nvPr>
-        </p:nvCxnSpPr>
-        <p:spPr>
-          <a:xfrm>
-            <a:off x="5427754" y="4498925"/>
-            <a:ext cx="5636107" cy="0"/>
-          </a:xfrm>
-          <a:prstGeom prst="line">
-            <a:avLst/>
-          </a:prstGeom>
-          <a:ln w="12700">
-            <a:solidFill>
-              <a:schemeClr val="tx1">
-                <a:lumMod val="75000"/>
-                <a:lumOff val="25000"/>
-              </a:schemeClr>
-            </a:solidFill>
-          </a:ln>
-        </p:spPr>
-        <p:style>
-          <a:lnRef idx="1">
-            <a:schemeClr val="accent1"/>
-          </a:lnRef>
-          <a:fillRef idx="0">
-            <a:schemeClr val="accent1"/>
-          </a:fillRef>
-          <a:effectRef idx="0">
-            <a:schemeClr val="accent1"/>
-          </a:effectRef>
-          <a:fontRef idx="minor">
-            <a:schemeClr val="tx1"/>
-          </a:fontRef>
-        </p:style>
-      </p:cxnSp>
-    </p:spTree>
-    <p:extLst>
-      <p:ext uri="{BB962C8B-B14F-4D97-AF65-F5344CB8AC3E}">
-        <p14:creationId xmlns:p14="http://schemas.microsoft.com/office/powerpoint/2010/main" val="4043737824"/>
-      </p:ext>
-    </p:extLst>
-  </p:cSld>
-  <p:clrMapOvr>
-    <a:masterClrMapping/>
-  </p:clrMapOvr>
-</p:sld>
-</file>
-
-<file path=ppt/slides/slide10.xml><?xml version="1.0" encoding="utf-8"?>
-<p:sld xmlns:a="http://schemas.openxmlformats.org/drawingml/2006/main" xmlns:r="http://schemas.openxmlformats.org/officeDocument/2006/relationships" xmlns:p="http://schemas.openxmlformats.org/presentationml/2006/main">
-  <p:cSld>
-    <p:spTree>
-      <p:nvGrpSpPr>
-        <p:cNvPr id="1" name=""/>
-        <p:cNvGrpSpPr/>
-        <p:nvPr/>
-      </p:nvGrpSpPr>
-      <p:grpSpPr>
-        <a:xfrm>
-          <a:off x="0" y="0"/>
-          <a:ext cx="0" cy="0"/>
-          <a:chOff x="0" y="0"/>
-          <a:chExt cx="0" cy="0"/>
-        </a:xfrm>
-      </p:grpSpPr>
-      <p:sp>
-        <p:nvSpPr>
-          <p:cNvPr id="2" name="Title 1">
-            <a:extLst>
-              <a:ext uri="{FF2B5EF4-FFF2-40B4-BE49-F238E27FC236}">
-                <a16:creationId xmlns:a16="http://schemas.microsoft.com/office/drawing/2014/main" id="{2EE050A2-3925-435C-AB75-4238254831AC}"/>
-              </a:ext>
-            </a:extLst>
-          </p:cNvPr>
-          <p:cNvSpPr>
-            <a:spLocks noGrp="1"/>
-          </p:cNvSpPr>
-          <p:nvPr>
-            <p:ph type="title"/>
-          </p:nvPr>
-        </p:nvSpPr>
-        <p:spPr/>
-        <p:txBody>
-          <a:bodyPr/>
-          <a:lstStyle/>
-          <a:p>
-            <a:r>
-              <a:rPr lang="en-US" dirty="0"/>
-              <a:t>Hourly Data: Visualization</a:t>
-            </a:r>
-          </a:p>
-        </p:txBody>
-      </p:sp>
-      <p:sp>
-        <p:nvSpPr>
-          <p:cNvPr id="6" name="Content Placeholder 5">
-            <a:extLst>
-              <a:ext uri="{FF2B5EF4-FFF2-40B4-BE49-F238E27FC236}">
-                <a16:creationId xmlns:a16="http://schemas.microsoft.com/office/drawing/2014/main" id="{A0DA78A5-F160-4AFD-8A79-263B84D3AB06}"/>
-              </a:ext>
-            </a:extLst>
-          </p:cNvPr>
-          <p:cNvSpPr>
-            <a:spLocks noGrp="1"/>
-          </p:cNvSpPr>
-          <p:nvPr>
-            <p:ph sz="quarter" idx="4"/>
-          </p:nvPr>
-        </p:nvSpPr>
-        <p:spPr>
-          <a:xfrm>
-            <a:off x="6515944" y="2098623"/>
-            <a:ext cx="4639736" cy="3574209"/>
-          </a:xfrm>
-        </p:spPr>
-        <p:txBody>
-          <a:bodyPr/>
-          <a:lstStyle/>
-          <a:p>
-            <a:pPr>
-              <a:buClr>
-                <a:schemeClr val="tx1">
-                  <a:lumMod val="75000"/>
-                  <a:lumOff val="25000"/>
-                </a:schemeClr>
-              </a:buClr>
-              <a:buFont typeface="Wingdings" panose="05000000000000000000" pitchFamily="2" charset="2"/>
-              <a:buChar char="q"/>
-            </a:pPr>
-            <a:r>
-              <a:rPr lang="en-US" sz="2000" dirty="0"/>
-              <a:t>Jan 20, represents number of cards swiped on Sunday.</a:t>
-            </a:r>
-          </a:p>
-          <a:p>
-            <a:pPr>
-              <a:buClr>
-                <a:schemeClr val="tx1">
-                  <a:lumMod val="75000"/>
-                  <a:lumOff val="25000"/>
-                </a:schemeClr>
-              </a:buClr>
-              <a:buFont typeface="Wingdings" panose="05000000000000000000" pitchFamily="2" charset="2"/>
-              <a:buChar char="q"/>
-            </a:pPr>
-            <a:r>
-              <a:rPr lang="en-US" sz="2000" dirty="0"/>
-              <a:t>Jan 21, represents number of cards swiped on Monday.</a:t>
-            </a:r>
-          </a:p>
-          <a:p>
-            <a:pPr>
-              <a:buClr>
-                <a:schemeClr val="tx1">
-                  <a:lumMod val="75000"/>
-                  <a:lumOff val="25000"/>
-                </a:schemeClr>
-              </a:buClr>
-              <a:buFont typeface="Wingdings" panose="05000000000000000000" pitchFamily="2" charset="2"/>
-              <a:buChar char="q"/>
-            </a:pPr>
-            <a:r>
-              <a:rPr lang="en-US" sz="2000" dirty="0"/>
-              <a:t>As we can see there is vast difference between two which is expected. </a:t>
-            </a:r>
-          </a:p>
-          <a:p>
-            <a:endParaRPr lang="en-US" dirty="0"/>
-          </a:p>
-        </p:txBody>
-      </p:sp>
-      <p:pic>
-        <p:nvPicPr>
-          <p:cNvPr id="13" name="Content Placeholder 12">
-            <a:extLst>
-              <a:ext uri="{FF2B5EF4-FFF2-40B4-BE49-F238E27FC236}">
-                <a16:creationId xmlns:a16="http://schemas.microsoft.com/office/drawing/2014/main" id="{91A897F0-839A-4B8F-A9AE-0A1C07CEFFC1}"/>
-              </a:ext>
-            </a:extLst>
-          </p:cNvPr>
-          <p:cNvPicPr>
-            <a:picLocks noGrp="1" noChangeAspect="1"/>
-          </p:cNvPicPr>
-          <p:nvPr>
-            <p:ph sz="half" idx="2"/>
-          </p:nvPr>
-        </p:nvPicPr>
-        <p:blipFill>
-          <a:blip r:embed="rId2">
-            <a:extLst>
-              <a:ext uri="{28A0092B-C50C-407E-A947-70E740481C1C}">
-                <a14:useLocalDpi xmlns:a14="http://schemas.microsoft.com/office/drawing/2010/main" val="0"/>
-              </a:ext>
-            </a:extLst>
-          </a:blip>
-          <a:stretch>
-            <a:fillRect/>
-          </a:stretch>
-        </p:blipFill>
-        <p:spPr>
-          <a:xfrm>
-            <a:off x="1036320" y="1953087"/>
-            <a:ext cx="5169607" cy="3719746"/>
-          </a:xfrm>
-        </p:spPr>
-      </p:pic>
-    </p:spTree>
-    <p:extLst>
-      <p:ext uri="{BB962C8B-B14F-4D97-AF65-F5344CB8AC3E}">
-        <p14:creationId xmlns:p14="http://schemas.microsoft.com/office/powerpoint/2010/main" val="1598100285"/>
-      </p:ext>
-    </p:extLst>
-  </p:cSld>
-  <p:clrMapOvr>
-    <a:masterClrMapping/>
-  </p:clrMapOvr>
-</p:sld>
-</file>
-
-<file path=ppt/slides/slide11.xml><?xml version="1.0" encoding="utf-8"?>
-<p:sld xmlns:a="http://schemas.openxmlformats.org/drawingml/2006/main" xmlns:r="http://schemas.openxmlformats.org/officeDocument/2006/relationships" xmlns:p="http://schemas.openxmlformats.org/presentationml/2006/main">
-  <p:cSld>
-    <p:spTree>
-      <p:nvGrpSpPr>
-        <p:cNvPr id="1" name=""/>
-        <p:cNvGrpSpPr/>
-        <p:nvPr/>
-      </p:nvGrpSpPr>
-      <p:grpSpPr>
-        <a:xfrm>
-          <a:off x="0" y="0"/>
-          <a:ext cx="0" cy="0"/>
-          <a:chOff x="0" y="0"/>
-          <a:chExt cx="0" cy="0"/>
-        </a:xfrm>
-      </p:grpSpPr>
-      <p:sp>
-        <p:nvSpPr>
-          <p:cNvPr id="2" name="Title 1">
-            <a:extLst>
-              <a:ext uri="{FF2B5EF4-FFF2-40B4-BE49-F238E27FC236}">
-                <a16:creationId xmlns:a16="http://schemas.microsoft.com/office/drawing/2014/main" id="{2EE050A2-3925-435C-AB75-4238254831AC}"/>
-              </a:ext>
-            </a:extLst>
-          </p:cNvPr>
-          <p:cNvSpPr>
-            <a:spLocks noGrp="1"/>
-          </p:cNvSpPr>
-          <p:nvPr>
-            <p:ph type="title"/>
-          </p:nvPr>
-        </p:nvSpPr>
-        <p:spPr/>
-        <p:txBody>
-          <a:bodyPr/>
-          <a:lstStyle/>
-          <a:p>
-            <a:pPr algn="ctr"/>
-            <a:r>
-              <a:rPr lang="en-US" dirty="0"/>
-              <a:t>Box Plot: Entry Data Observations</a:t>
-            </a:r>
-          </a:p>
-        </p:txBody>
-      </p:sp>
-      <p:sp>
-        <p:nvSpPr>
-          <p:cNvPr id="3" name="Text Placeholder 2">
-            <a:extLst>
-              <a:ext uri="{FF2B5EF4-FFF2-40B4-BE49-F238E27FC236}">
-                <a16:creationId xmlns:a16="http://schemas.microsoft.com/office/drawing/2014/main" id="{0599F800-8E46-4F9A-A55C-EEB1694FE267}"/>
-              </a:ext>
-            </a:extLst>
-          </p:cNvPr>
-          <p:cNvSpPr>
-            <a:spLocks noGrp="1"/>
-          </p:cNvSpPr>
-          <p:nvPr>
-            <p:ph type="body" idx="1"/>
-          </p:nvPr>
-        </p:nvSpPr>
-        <p:spPr/>
-        <p:txBody>
-          <a:bodyPr/>
-          <a:lstStyle/>
-          <a:p>
-            <a:endParaRPr lang="en-US" dirty="0"/>
-          </a:p>
-        </p:txBody>
-      </p:sp>
-      <p:sp>
-        <p:nvSpPr>
-          <p:cNvPr id="6" name="Content Placeholder 5">
-            <a:extLst>
-              <a:ext uri="{FF2B5EF4-FFF2-40B4-BE49-F238E27FC236}">
-                <a16:creationId xmlns:a16="http://schemas.microsoft.com/office/drawing/2014/main" id="{A0DA78A5-F160-4AFD-8A79-263B84D3AB06}"/>
-              </a:ext>
-            </a:extLst>
-          </p:cNvPr>
-          <p:cNvSpPr>
-            <a:spLocks noGrp="1"/>
-          </p:cNvSpPr>
-          <p:nvPr>
-            <p:ph sz="quarter" idx="4"/>
-          </p:nvPr>
-        </p:nvSpPr>
-        <p:spPr>
-          <a:xfrm>
-            <a:off x="6095999" y="1933732"/>
-            <a:ext cx="5371475" cy="3935258"/>
-          </a:xfrm>
-        </p:spPr>
-        <p:txBody>
-          <a:bodyPr>
-            <a:normAutofit/>
-          </a:bodyPr>
-          <a:lstStyle/>
-          <a:p>
-            <a:pPr>
-              <a:buClr>
-                <a:schemeClr val="tx1">
-                  <a:lumMod val="75000"/>
-                  <a:lumOff val="25000"/>
-                </a:schemeClr>
-              </a:buClr>
-              <a:buFont typeface="Wingdings" panose="05000000000000000000" pitchFamily="2" charset="2"/>
-              <a:buChar char="q"/>
-            </a:pPr>
-            <a:r>
-              <a:rPr lang="en-US" sz="1600" dirty="0"/>
-              <a:t>We can see from the box plot during wee hours, cards swiped are very low and we get very narrow box plots.</a:t>
-            </a:r>
-          </a:p>
-          <a:p>
-            <a:pPr>
-              <a:buClr>
-                <a:schemeClr val="tx1">
-                  <a:lumMod val="75000"/>
-                  <a:lumOff val="25000"/>
-                </a:schemeClr>
-              </a:buClr>
-              <a:buFont typeface="Wingdings" panose="05000000000000000000" pitchFamily="2" charset="2"/>
-              <a:buChar char="q"/>
-            </a:pPr>
-            <a:r>
-              <a:rPr lang="en-US" sz="1600" dirty="0"/>
-              <a:t>From 6:00 am onwards cards swiped start going up, which is expected as people start showing up for work. Between 8:00 am and 9:00 am maximum cards are swiped.</a:t>
-            </a:r>
-          </a:p>
-          <a:p>
-            <a:pPr>
-              <a:buClr>
-                <a:schemeClr val="tx1">
-                  <a:lumMod val="75000"/>
-                  <a:lumOff val="25000"/>
-                </a:schemeClr>
-              </a:buClr>
-              <a:buFont typeface="Wingdings" panose="05000000000000000000" pitchFamily="2" charset="2"/>
-              <a:buChar char="q"/>
-            </a:pPr>
-            <a:r>
-              <a:rPr lang="en-US" sz="1600" dirty="0"/>
-              <a:t>You will again see spike in number of cards swiped around lunch time. </a:t>
-            </a:r>
-          </a:p>
-          <a:p>
-            <a:pPr>
-              <a:buClr>
-                <a:schemeClr val="tx1">
-                  <a:lumMod val="75000"/>
-                  <a:lumOff val="25000"/>
-                </a:schemeClr>
-              </a:buClr>
-              <a:buFont typeface="Wingdings" panose="05000000000000000000" pitchFamily="2" charset="2"/>
-              <a:buChar char="q"/>
-            </a:pPr>
-            <a:r>
-              <a:rPr lang="en-US" sz="1600" dirty="0"/>
-              <a:t>During busy hours you will see larger box plots and IQR, and median value higher then mean suggesting skewed distribution. This is due to the fact that less number of cards are swiped on weekend and holiday. </a:t>
-            </a:r>
-          </a:p>
-          <a:p>
-            <a:endParaRPr lang="en-US" sz="1600" dirty="0"/>
-          </a:p>
-          <a:p>
-            <a:endParaRPr lang="en-US" dirty="0"/>
-          </a:p>
-        </p:txBody>
-      </p:sp>
-      <p:pic>
-        <p:nvPicPr>
-          <p:cNvPr id="9" name="Content Placeholder 8">
-            <a:extLst>
-              <a:ext uri="{FF2B5EF4-FFF2-40B4-BE49-F238E27FC236}">
-                <a16:creationId xmlns:a16="http://schemas.microsoft.com/office/drawing/2014/main" id="{88E14508-E3C4-40F4-B4BA-7604B507A711}"/>
-              </a:ext>
-            </a:extLst>
-          </p:cNvPr>
-          <p:cNvPicPr>
-            <a:picLocks noGrp="1" noChangeAspect="1"/>
-          </p:cNvPicPr>
-          <p:nvPr>
-            <p:ph sz="half" idx="2"/>
-          </p:nvPr>
-        </p:nvPicPr>
-        <p:blipFill>
-          <a:blip r:embed="rId2">
-            <a:extLst>
-              <a:ext uri="{28A0092B-C50C-407E-A947-70E740481C1C}">
-                <a14:useLocalDpi xmlns:a14="http://schemas.microsoft.com/office/drawing/2010/main" val="0"/>
-              </a:ext>
-            </a:extLst>
-          </a:blip>
-          <a:stretch>
-            <a:fillRect/>
-          </a:stretch>
-        </p:blipFill>
-        <p:spPr>
-          <a:xfrm>
-            <a:off x="724525" y="1737360"/>
-            <a:ext cx="5371475" cy="4131629"/>
-          </a:xfrm>
-        </p:spPr>
-      </p:pic>
-    </p:spTree>
-    <p:extLst>
-      <p:ext uri="{BB962C8B-B14F-4D97-AF65-F5344CB8AC3E}">
-        <p14:creationId xmlns:p14="http://schemas.microsoft.com/office/powerpoint/2010/main" val="2172320791"/>
-      </p:ext>
-    </p:extLst>
-  </p:cSld>
-  <p:clrMapOvr>
-    <a:masterClrMapping/>
-  </p:clrMapOvr>
-</p:sld>
-</file>
-
-<file path=ppt/slides/slide12.xml><?xml version="1.0" encoding="utf-8"?>
-<p:sld xmlns:a="http://schemas.openxmlformats.org/drawingml/2006/main" xmlns:r="http://schemas.openxmlformats.org/officeDocument/2006/relationships" xmlns:p="http://schemas.openxmlformats.org/presentationml/2006/main">
-  <p:cSld>
-    <p:spTree>
-      <p:nvGrpSpPr>
-        <p:cNvPr id="1" name=""/>
-        <p:cNvGrpSpPr/>
-        <p:nvPr/>
-      </p:nvGrpSpPr>
-      <p:grpSpPr>
-        <a:xfrm>
-          <a:off x="0" y="0"/>
-          <a:ext cx="0" cy="0"/>
-          <a:chOff x="0" y="0"/>
-          <a:chExt cx="0" cy="0"/>
-        </a:xfrm>
-      </p:grpSpPr>
-      <p:sp>
-        <p:nvSpPr>
-          <p:cNvPr id="2" name="Title 1">
-            <a:extLst>
-              <a:ext uri="{FF2B5EF4-FFF2-40B4-BE49-F238E27FC236}">
-                <a16:creationId xmlns:a16="http://schemas.microsoft.com/office/drawing/2014/main" id="{21FC5899-ED52-4113-8C6A-9DAFDA340DBF}"/>
-              </a:ext>
-            </a:extLst>
-          </p:cNvPr>
-          <p:cNvSpPr>
-            <a:spLocks noGrp="1"/>
-          </p:cNvSpPr>
-          <p:nvPr>
-            <p:ph type="title"/>
-          </p:nvPr>
-        </p:nvSpPr>
-        <p:spPr/>
-        <p:txBody>
-          <a:bodyPr/>
-          <a:lstStyle/>
-          <a:p>
-            <a:r>
-              <a:rPr lang="en-US" dirty="0"/>
-              <a:t>Good to have</a:t>
-            </a:r>
-          </a:p>
-        </p:txBody>
-      </p:sp>
-      <p:sp>
-        <p:nvSpPr>
-          <p:cNvPr id="3" name="Text Placeholder 2">
-            <a:extLst>
-              <a:ext uri="{FF2B5EF4-FFF2-40B4-BE49-F238E27FC236}">
-                <a16:creationId xmlns:a16="http://schemas.microsoft.com/office/drawing/2014/main" id="{29E826F8-131A-497C-8E16-3D973E7ABCEE}"/>
-              </a:ext>
-            </a:extLst>
-          </p:cNvPr>
-          <p:cNvSpPr>
-            <a:spLocks noGrp="1"/>
-          </p:cNvSpPr>
-          <p:nvPr>
-            <p:ph type="body" idx="1"/>
-          </p:nvPr>
-        </p:nvSpPr>
-        <p:spPr/>
-        <p:txBody>
-          <a:bodyPr/>
-          <a:lstStyle/>
-          <a:p>
-            <a:r>
-              <a:rPr lang="en-US" dirty="0"/>
-              <a:t>Conclusions</a:t>
-            </a:r>
-          </a:p>
-        </p:txBody>
-      </p:sp>
-      <p:sp>
-        <p:nvSpPr>
-          <p:cNvPr id="4" name="Content Placeholder 3">
-            <a:extLst>
-              <a:ext uri="{FF2B5EF4-FFF2-40B4-BE49-F238E27FC236}">
-                <a16:creationId xmlns:a16="http://schemas.microsoft.com/office/drawing/2014/main" id="{A5513643-D509-4AC7-8E75-184CAF2DEBF6}"/>
-              </a:ext>
-            </a:extLst>
-          </p:cNvPr>
-          <p:cNvSpPr>
-            <a:spLocks noGrp="1"/>
-          </p:cNvSpPr>
-          <p:nvPr>
-            <p:ph sz="half" idx="2"/>
-          </p:nvPr>
-        </p:nvSpPr>
-        <p:spPr/>
-        <p:txBody>
-          <a:bodyPr>
-            <a:normAutofit lnSpcReduction="10000"/>
-          </a:bodyPr>
-          <a:lstStyle/>
-          <a:p>
-            <a:pPr>
-              <a:buClr>
-                <a:schemeClr val="tx1">
-                  <a:lumMod val="75000"/>
-                  <a:lumOff val="25000"/>
-                </a:schemeClr>
-              </a:buClr>
-              <a:buFont typeface="Wingdings" panose="05000000000000000000" pitchFamily="2" charset="2"/>
-              <a:buChar char="q"/>
-            </a:pPr>
-            <a:r>
-              <a:rPr lang="en-US" dirty="0"/>
-              <a:t> Through Machine Learning we can predict the number of people who are in the building within a given hour</a:t>
-            </a:r>
-          </a:p>
-          <a:p>
-            <a:pPr>
-              <a:buClr>
-                <a:schemeClr val="tx1">
-                  <a:lumMod val="75000"/>
-                  <a:lumOff val="25000"/>
-                </a:schemeClr>
-              </a:buClr>
-              <a:buFont typeface="Wingdings" panose="05000000000000000000" pitchFamily="2" charset="2"/>
-              <a:buChar char="q"/>
-            </a:pPr>
-            <a:r>
-              <a:rPr lang="en-US" dirty="0"/>
-              <a:t>Similar methodology could be used for other buildings in the vicinity</a:t>
-            </a:r>
-          </a:p>
-          <a:p>
-            <a:pPr>
-              <a:buClr>
-                <a:schemeClr val="tx1">
-                  <a:lumMod val="75000"/>
-                  <a:lumOff val="25000"/>
-                </a:schemeClr>
-              </a:buClr>
-              <a:buFont typeface="Wingdings" panose="05000000000000000000" pitchFamily="2" charset="2"/>
-              <a:buChar char="q"/>
-            </a:pPr>
-            <a:r>
-              <a:rPr lang="en-US" dirty="0"/>
-              <a:t>Data can be used to create “Intelligent” buildings</a:t>
-            </a:r>
-          </a:p>
-          <a:p>
-            <a:pPr>
-              <a:buClr>
-                <a:schemeClr val="tx1">
-                  <a:lumMod val="75000"/>
-                  <a:lumOff val="25000"/>
-                </a:schemeClr>
-              </a:buClr>
-              <a:buFont typeface="Wingdings" panose="05000000000000000000" pitchFamily="2" charset="2"/>
-              <a:buChar char="q"/>
-            </a:pPr>
-            <a:endParaRPr lang="en-US" dirty="0"/>
-          </a:p>
-          <a:p>
-            <a:pPr>
-              <a:buClr>
-                <a:schemeClr val="tx1">
-                  <a:lumMod val="75000"/>
-                  <a:lumOff val="25000"/>
-                </a:schemeClr>
-              </a:buClr>
-              <a:buFont typeface="Wingdings" panose="05000000000000000000" pitchFamily="2" charset="2"/>
-              <a:buChar char="q"/>
-            </a:pPr>
-            <a:endParaRPr lang="en-US" dirty="0"/>
-          </a:p>
-          <a:p>
-            <a:pPr>
-              <a:buClr>
-                <a:schemeClr val="tx1">
-                  <a:lumMod val="75000"/>
-                  <a:lumOff val="25000"/>
-                </a:schemeClr>
-              </a:buClr>
-              <a:buFont typeface="Wingdings" panose="05000000000000000000" pitchFamily="2" charset="2"/>
-              <a:buChar char="q"/>
-            </a:pPr>
-            <a:endParaRPr lang="en-US" dirty="0"/>
-          </a:p>
-        </p:txBody>
-      </p:sp>
-      <p:sp>
-        <p:nvSpPr>
-          <p:cNvPr id="5" name="Text Placeholder 4">
-            <a:extLst>
-              <a:ext uri="{FF2B5EF4-FFF2-40B4-BE49-F238E27FC236}">
-                <a16:creationId xmlns:a16="http://schemas.microsoft.com/office/drawing/2014/main" id="{9D3FD27B-96EE-41FE-863D-248B0BF15B1D}"/>
-              </a:ext>
-            </a:extLst>
-          </p:cNvPr>
-          <p:cNvSpPr>
-            <a:spLocks noGrp="1"/>
-          </p:cNvSpPr>
-          <p:nvPr>
-            <p:ph type="body" sz="quarter" idx="3"/>
-          </p:nvPr>
-        </p:nvSpPr>
-        <p:spPr/>
-        <p:txBody>
-          <a:bodyPr/>
-          <a:lstStyle/>
-          <a:p>
-            <a:r>
-              <a:rPr lang="en-US" dirty="0"/>
-              <a:t>To BE Continued</a:t>
-            </a:r>
-          </a:p>
-        </p:txBody>
-      </p:sp>
-      <p:sp>
-        <p:nvSpPr>
-          <p:cNvPr id="6" name="Content Placeholder 5">
-            <a:extLst>
-              <a:ext uri="{FF2B5EF4-FFF2-40B4-BE49-F238E27FC236}">
-                <a16:creationId xmlns:a16="http://schemas.microsoft.com/office/drawing/2014/main" id="{6F974DFE-A355-4DAB-AB68-0FE650665BB5}"/>
-              </a:ext>
-            </a:extLst>
-          </p:cNvPr>
-          <p:cNvSpPr>
-            <a:spLocks noGrp="1"/>
-          </p:cNvSpPr>
-          <p:nvPr>
-            <p:ph sz="quarter" idx="4"/>
-          </p:nvPr>
-        </p:nvSpPr>
-        <p:spPr/>
-        <p:txBody>
-          <a:bodyPr>
-            <a:normAutofit lnSpcReduction="10000"/>
-          </a:bodyPr>
-          <a:lstStyle/>
-          <a:p>
-            <a:pPr>
-              <a:buClr>
-                <a:schemeClr val="tx1">
-                  <a:lumMod val="75000"/>
-                  <a:lumOff val="25000"/>
-                </a:schemeClr>
-              </a:buClr>
-              <a:buFont typeface="Wingdings" panose="05000000000000000000" pitchFamily="2" charset="2"/>
-              <a:buChar char="q"/>
-            </a:pPr>
-            <a:r>
-              <a:rPr lang="en-US" dirty="0"/>
-              <a:t>Avoid duplication/triplication of swipe-in data </a:t>
-            </a:r>
-          </a:p>
-          <a:p>
-            <a:pPr>
-              <a:buClr>
-                <a:schemeClr val="tx1">
-                  <a:lumMod val="75000"/>
-                  <a:lumOff val="25000"/>
-                </a:schemeClr>
-              </a:buClr>
-              <a:buFont typeface="Wingdings" panose="05000000000000000000" pitchFamily="2" charset="2"/>
-              <a:buChar char="q"/>
-            </a:pPr>
-            <a:r>
-              <a:rPr lang="en-US" dirty="0"/>
-              <a:t>Tie card number to company and floor </a:t>
-            </a:r>
-          </a:p>
-          <a:p>
-            <a:pPr>
-              <a:buClr>
-                <a:schemeClr val="tx1">
-                  <a:lumMod val="75000"/>
-                  <a:lumOff val="25000"/>
-                </a:schemeClr>
-              </a:buClr>
-              <a:buFont typeface="Wingdings" panose="05000000000000000000" pitchFamily="2" charset="2"/>
-              <a:buChar char="q"/>
-            </a:pPr>
-            <a:r>
-              <a:rPr lang="en-US" dirty="0"/>
-              <a:t>Capture swipe-out data </a:t>
-            </a:r>
-          </a:p>
-          <a:p>
-            <a:pPr>
-              <a:buClr>
-                <a:schemeClr val="tx1">
-                  <a:lumMod val="75000"/>
-                  <a:lumOff val="25000"/>
-                </a:schemeClr>
-              </a:buClr>
-              <a:buFont typeface="Wingdings" panose="05000000000000000000" pitchFamily="2" charset="2"/>
-              <a:buChar char="q"/>
-            </a:pPr>
-            <a:r>
-              <a:rPr lang="en-US" dirty="0"/>
-              <a:t>Predict occupancy by floor </a:t>
-            </a:r>
-          </a:p>
-          <a:p>
-            <a:pPr>
-              <a:buClr>
-                <a:schemeClr val="tx1">
-                  <a:lumMod val="75000"/>
-                  <a:lumOff val="25000"/>
-                </a:schemeClr>
-              </a:buClr>
-              <a:buFont typeface="Wingdings" panose="05000000000000000000" pitchFamily="2" charset="2"/>
-              <a:buChar char="q"/>
-            </a:pPr>
-            <a:r>
-              <a:rPr lang="en-US" dirty="0"/>
-              <a:t>Use predictions for control of the HVAC systems</a:t>
-            </a:r>
-          </a:p>
-          <a:p>
-            <a:endParaRPr lang="en-US" dirty="0"/>
-          </a:p>
-        </p:txBody>
-      </p:sp>
-    </p:spTree>
-    <p:extLst>
-      <p:ext uri="{BB962C8B-B14F-4D97-AF65-F5344CB8AC3E}">
-        <p14:creationId xmlns:p14="http://schemas.microsoft.com/office/powerpoint/2010/main" val="3348678792"/>
-      </p:ext>
-    </p:extLst>
-  </p:cSld>
-  <p:clrMapOvr>
-    <a:masterClrMapping/>
-  </p:clrMapOvr>
-</p:sld>
-</file>
-
-<file path=ppt/slides/slide2.xml><?xml version="1.0" encoding="utf-8"?>
-<p:sld xmlns:a="http://schemas.openxmlformats.org/drawingml/2006/main" xmlns:r="http://schemas.openxmlformats.org/officeDocument/2006/relationships" xmlns:p="http://schemas.openxmlformats.org/presentationml/2006/main">
-  <p:cSld>
     <p:spTree>
       <p:nvGrpSpPr>
         <p:cNvPr id="1" name=""/>
@@ -8174,7 +7175,210 @@
 </p:sld>
 </file>
 
-<file path=ppt/slides/slide3.xml><?xml version="1.0" encoding="utf-8"?>
+<file path=ppt/slides/slide10.xml><?xml version="1.0" encoding="utf-8"?>
+<p:sld xmlns:a="http://schemas.openxmlformats.org/drawingml/2006/main" xmlns:r="http://schemas.openxmlformats.org/officeDocument/2006/relationships" xmlns:p="http://schemas.openxmlformats.org/presentationml/2006/main">
+  <p:cSld>
+    <p:spTree>
+      <p:nvGrpSpPr>
+        <p:cNvPr id="1" name=""/>
+        <p:cNvGrpSpPr/>
+        <p:nvPr/>
+      </p:nvGrpSpPr>
+      <p:grpSpPr>
+        <a:xfrm>
+          <a:off x="0" y="0"/>
+          <a:ext cx="0" cy="0"/>
+          <a:chOff x="0" y="0"/>
+          <a:chExt cx="0" cy="0"/>
+        </a:xfrm>
+      </p:grpSpPr>
+      <p:sp>
+        <p:nvSpPr>
+          <p:cNvPr id="2" name="Title 1">
+            <a:extLst>
+              <a:ext uri="{FF2B5EF4-FFF2-40B4-BE49-F238E27FC236}">
+                <a16:creationId xmlns:a16="http://schemas.microsoft.com/office/drawing/2014/main" id="{21FC5899-ED52-4113-8C6A-9DAFDA340DBF}"/>
+              </a:ext>
+            </a:extLst>
+          </p:cNvPr>
+          <p:cNvSpPr>
+            <a:spLocks noGrp="1"/>
+          </p:cNvSpPr>
+          <p:nvPr>
+            <p:ph type="title"/>
+          </p:nvPr>
+        </p:nvSpPr>
+        <p:spPr/>
+        <p:txBody>
+          <a:bodyPr/>
+          <a:lstStyle/>
+          <a:p>
+            <a:r>
+              <a:rPr lang="en-US" dirty="0"/>
+              <a:t>Good to have</a:t>
+            </a:r>
+          </a:p>
+        </p:txBody>
+      </p:sp>
+      <p:sp>
+        <p:nvSpPr>
+          <p:cNvPr id="5" name="Text Placeholder 4">
+            <a:extLst>
+              <a:ext uri="{FF2B5EF4-FFF2-40B4-BE49-F238E27FC236}">
+                <a16:creationId xmlns:a16="http://schemas.microsoft.com/office/drawing/2014/main" id="{9D3FD27B-96EE-41FE-863D-248B0BF15B1D}"/>
+              </a:ext>
+            </a:extLst>
+          </p:cNvPr>
+          <p:cNvSpPr>
+            <a:spLocks noGrp="1"/>
+          </p:cNvSpPr>
+          <p:nvPr>
+            <p:ph type="body" sz="quarter" idx="3"/>
+          </p:nvPr>
+        </p:nvSpPr>
+        <p:spPr>
+          <a:xfrm>
+            <a:off x="1097280" y="2057400"/>
+            <a:ext cx="10058400" cy="736282"/>
+          </a:xfrm>
+        </p:spPr>
+        <p:txBody>
+          <a:bodyPr/>
+          <a:lstStyle/>
+          <a:p>
+            <a:r>
+              <a:rPr lang="en-US" dirty="0"/>
+              <a:t>To BE Continued - Limitations</a:t>
+            </a:r>
+          </a:p>
+        </p:txBody>
+      </p:sp>
+      <p:sp>
+        <p:nvSpPr>
+          <p:cNvPr id="6" name="Content Placeholder 5">
+            <a:extLst>
+              <a:ext uri="{FF2B5EF4-FFF2-40B4-BE49-F238E27FC236}">
+                <a16:creationId xmlns:a16="http://schemas.microsoft.com/office/drawing/2014/main" id="{6F974DFE-A355-4DAB-AB68-0FE650665BB5}"/>
+              </a:ext>
+            </a:extLst>
+          </p:cNvPr>
+          <p:cNvSpPr>
+            <a:spLocks noGrp="1"/>
+          </p:cNvSpPr>
+          <p:nvPr>
+            <p:ph sz="quarter" idx="4"/>
+          </p:nvPr>
+        </p:nvSpPr>
+        <p:spPr>
+          <a:xfrm>
+            <a:off x="1097280" y="2958273"/>
+            <a:ext cx="10058400" cy="2910821"/>
+          </a:xfrm>
+        </p:spPr>
+        <p:txBody>
+          <a:bodyPr>
+            <a:normAutofit/>
+          </a:bodyPr>
+          <a:lstStyle/>
+          <a:p>
+            <a:pPr>
+              <a:buClr>
+                <a:schemeClr val="tx1">
+                  <a:lumMod val="75000"/>
+                  <a:lumOff val="25000"/>
+                </a:schemeClr>
+              </a:buClr>
+              <a:buFont typeface="Wingdings" panose="05000000000000000000" pitchFamily="2" charset="2"/>
+              <a:buChar char="q"/>
+            </a:pPr>
+            <a:r>
+              <a:rPr lang="en-US" dirty="0"/>
+              <a:t>Avoid duplication/triplication of swipe-in data </a:t>
+            </a:r>
+          </a:p>
+          <a:p>
+            <a:pPr>
+              <a:buClr>
+                <a:schemeClr val="tx1">
+                  <a:lumMod val="75000"/>
+                  <a:lumOff val="25000"/>
+                </a:schemeClr>
+              </a:buClr>
+              <a:buFont typeface="Wingdings" panose="05000000000000000000" pitchFamily="2" charset="2"/>
+              <a:buChar char="q"/>
+            </a:pPr>
+            <a:r>
+              <a:rPr lang="en-US" dirty="0"/>
+              <a:t>Tie card number to company and floor </a:t>
+            </a:r>
+          </a:p>
+          <a:p>
+            <a:pPr>
+              <a:buClr>
+                <a:schemeClr val="tx1">
+                  <a:lumMod val="75000"/>
+                  <a:lumOff val="25000"/>
+                </a:schemeClr>
+              </a:buClr>
+              <a:buFont typeface="Wingdings" panose="05000000000000000000" pitchFamily="2" charset="2"/>
+              <a:buChar char="q"/>
+            </a:pPr>
+            <a:r>
+              <a:rPr lang="en-US" dirty="0"/>
+              <a:t>Capture swipe-out data </a:t>
+            </a:r>
+          </a:p>
+          <a:p>
+            <a:pPr>
+              <a:buClr>
+                <a:schemeClr val="tx1">
+                  <a:lumMod val="75000"/>
+                  <a:lumOff val="25000"/>
+                </a:schemeClr>
+              </a:buClr>
+              <a:buFont typeface="Wingdings" panose="05000000000000000000" pitchFamily="2" charset="2"/>
+              <a:buChar char="q"/>
+            </a:pPr>
+            <a:r>
+              <a:rPr lang="en-US" dirty="0"/>
+              <a:t>Predict occupancy by floor </a:t>
+            </a:r>
+          </a:p>
+          <a:p>
+            <a:pPr>
+              <a:buClr>
+                <a:schemeClr val="tx1">
+                  <a:lumMod val="75000"/>
+                  <a:lumOff val="25000"/>
+                </a:schemeClr>
+              </a:buClr>
+              <a:buFont typeface="Wingdings" panose="05000000000000000000" pitchFamily="2" charset="2"/>
+              <a:buChar char="q"/>
+            </a:pPr>
+            <a:r>
+              <a:rPr lang="en-US" dirty="0"/>
+              <a:t>Use predictions for control of the HVAC systems</a:t>
+            </a:r>
+          </a:p>
+          <a:p>
+            <a:endParaRPr lang="en-US" dirty="0"/>
+          </a:p>
+        </p:txBody>
+      </p:sp>
+    </p:spTree>
+    <p:extLst>
+      <p:ext uri="{BB962C8B-B14F-4D97-AF65-F5344CB8AC3E}">
+        <p14:creationId xmlns:p14="http://schemas.microsoft.com/office/powerpoint/2010/main" val="4040032755"/>
+      </p:ext>
+    </p:extLst>
+  </p:cSld>
+  <p:clrMapOvr>
+    <a:masterClrMapping/>
+  </p:clrMapOvr>
+</p:sld>
+</file>
+
+<file path=ppt/slides/slide11.xml><?xml version="1.0" encoding="utf-8"?>
 <p:sld xmlns:a="http://schemas.openxmlformats.org/drawingml/2006/main" xmlns:r="http://schemas.openxmlformats.org/officeDocument/2006/relationships" xmlns:p="http://schemas.openxmlformats.org/presentationml/2006/main">
   <p:cSld>
     <p:spTree>
@@ -8214,7 +7418,7 @@
           <a:p>
             <a:r>
               <a:rPr lang="en-US" dirty="0"/>
-              <a:t>Tenant Traffic</a:t>
+              <a:t>Predictive Use Case</a:t>
             </a:r>
           </a:p>
         </p:txBody>
@@ -8237,14 +7441,10 @@
         </p:nvSpPr>
         <p:spPr/>
         <p:txBody>
-          <a:bodyPr/>
+          <a:bodyPr>
+            <a:normAutofit fontScale="92500" lnSpcReduction="10000"/>
+          </a:bodyPr>
           <a:lstStyle/>
-          <a:p>
-            <a:r>
-              <a:rPr lang="en-US" sz="2800" dirty="0"/>
-              <a:t>Study tenant utilization to analyze trends and predict occupancy rates by hour to maximize efficiencies.</a:t>
-            </a:r>
-          </a:p>
           <a:p>
             <a:pPr>
               <a:buClr>
@@ -8257,8 +7457,8 @@
               <a:buChar char="q"/>
             </a:pPr>
             <a:r>
-              <a:rPr lang="en-US" dirty="0"/>
-              <a:t> Building staffing – Security, Janitorial, Maintenance, Office Management</a:t>
+              <a:rPr lang="en-US" sz="2800" dirty="0"/>
+              <a:t> The Machine Learning model can be used to predict the number of people who are in the building within a given hour</a:t>
             </a:r>
           </a:p>
           <a:p>
@@ -8273,8 +7473,8 @@
               <a:buChar char="q"/>
             </a:pPr>
             <a:r>
-              <a:rPr lang="en-US" dirty="0"/>
-              <a:t> HVAC – Optimal Heating &amp; Cooling</a:t>
+              <a:rPr lang="en-US" sz="2800" dirty="0"/>
+              <a:t> Similar methodology could be used for other managed buildings</a:t>
             </a:r>
           </a:p>
           <a:p>
@@ -8289,10 +7489,200 @@
               <a:buChar char="q"/>
             </a:pPr>
             <a:r>
+              <a:rPr lang="en-US" sz="2800" dirty="0"/>
+              <a:t> Data can be used to create “Intelligent” buildings</a:t>
+            </a:r>
+          </a:p>
+          <a:p>
+            <a:pPr lvl="1">
+              <a:buClr>
+                <a:schemeClr val="tx1">
+                  <a:lumMod val="75000"/>
+                  <a:lumOff val="25000"/>
+                </a:schemeClr>
+              </a:buClr>
+              <a:buFont typeface="Wingdings" panose="05000000000000000000" pitchFamily="2" charset="2"/>
+              <a:buChar char="Ø"/>
+            </a:pPr>
+            <a:r>
+              <a:rPr lang="en-US" dirty="0"/>
+              <a:t> Building staffing – Security, Janitorial, Maintenance, Office Management</a:t>
+            </a:r>
+          </a:p>
+          <a:p>
+            <a:pPr lvl="1">
+              <a:buClr>
+                <a:schemeClr val="tx1">
+                  <a:lumMod val="75000"/>
+                  <a:lumOff val="25000"/>
+                </a:schemeClr>
+              </a:buClr>
+              <a:buFont typeface="Wingdings" panose="05000000000000000000" pitchFamily="2" charset="2"/>
+              <a:buChar char="Ø"/>
+            </a:pPr>
+            <a:r>
+              <a:rPr lang="en-US" dirty="0"/>
+              <a:t> HVAC – Optimal Heating &amp; Cooling</a:t>
+            </a:r>
+          </a:p>
+          <a:p>
+            <a:pPr lvl="1">
+              <a:buClr>
+                <a:schemeClr val="tx1">
+                  <a:lumMod val="75000"/>
+                  <a:lumOff val="25000"/>
+                </a:schemeClr>
+              </a:buClr>
+              <a:buFont typeface="Wingdings" panose="05000000000000000000" pitchFamily="2" charset="2"/>
+              <a:buChar char="Ø"/>
+            </a:pPr>
+            <a:r>
               <a:rPr lang="en-US" dirty="0"/>
               <a:t> Lighting – Schedule or Sensor</a:t>
             </a:r>
           </a:p>
+          <a:p>
+            <a:pPr lvl="1">
+              <a:buClr>
+                <a:schemeClr val="tx1">
+                  <a:lumMod val="75000"/>
+                  <a:lumOff val="25000"/>
+                </a:schemeClr>
+              </a:buClr>
+              <a:buFont typeface="Wingdings" panose="05000000000000000000" pitchFamily="2" charset="2"/>
+              <a:buChar char="Ø"/>
+            </a:pPr>
+            <a:r>
+              <a:rPr lang="en-US" dirty="0"/>
+              <a:t> Sustainability – Reduce Carbon Footprint</a:t>
+            </a:r>
+          </a:p>
+          <a:p>
+            <a:pPr lvl="1">
+              <a:buClr>
+                <a:schemeClr val="tx1">
+                  <a:lumMod val="75000"/>
+                  <a:lumOff val="25000"/>
+                </a:schemeClr>
+              </a:buClr>
+              <a:buFont typeface="Wingdings" panose="05000000000000000000" pitchFamily="2" charset="2"/>
+              <a:buChar char="Ø"/>
+            </a:pPr>
+            <a:r>
+              <a:rPr lang="en-US" dirty="0"/>
+              <a:t> Cost – Efficient Use of Resources</a:t>
+            </a:r>
+          </a:p>
+        </p:txBody>
+      </p:sp>
+    </p:spTree>
+    <p:extLst>
+      <p:ext uri="{BB962C8B-B14F-4D97-AF65-F5344CB8AC3E}">
+        <p14:creationId xmlns:p14="http://schemas.microsoft.com/office/powerpoint/2010/main" val="1886094707"/>
+      </p:ext>
+    </p:extLst>
+  </p:cSld>
+  <p:clrMapOvr>
+    <a:masterClrMapping/>
+  </p:clrMapOvr>
+</p:sld>
+</file>
+
+<file path=ppt/slides/slide2.xml><?xml version="1.0" encoding="utf-8"?>
+<p:sld xmlns:a="http://schemas.openxmlformats.org/drawingml/2006/main" xmlns:r="http://schemas.openxmlformats.org/officeDocument/2006/relationships" xmlns:p="http://schemas.openxmlformats.org/presentationml/2006/main">
+  <p:cSld>
+    <p:spTree>
+      <p:nvGrpSpPr>
+        <p:cNvPr id="1" name=""/>
+        <p:cNvGrpSpPr/>
+        <p:nvPr/>
+      </p:nvGrpSpPr>
+      <p:grpSpPr>
+        <a:xfrm>
+          <a:off x="0" y="0"/>
+          <a:ext cx="0" cy="0"/>
+          <a:chOff x="0" y="0"/>
+          <a:chExt cx="0" cy="0"/>
+        </a:xfrm>
+      </p:grpSpPr>
+      <p:sp>
+        <p:nvSpPr>
+          <p:cNvPr id="2" name="Title 1">
+            <a:extLst>
+              <a:ext uri="{FF2B5EF4-FFF2-40B4-BE49-F238E27FC236}">
+                <a16:creationId xmlns:a16="http://schemas.microsoft.com/office/drawing/2014/main" id="{C5B559FC-4009-4FF4-B965-F49C7B6DC1E3}"/>
+              </a:ext>
+            </a:extLst>
+          </p:cNvPr>
+          <p:cNvSpPr>
+            <a:spLocks noGrp="1"/>
+          </p:cNvSpPr>
+          <p:nvPr>
+            <p:ph type="title"/>
+          </p:nvPr>
+        </p:nvSpPr>
+        <p:spPr/>
+        <p:txBody>
+          <a:bodyPr/>
+          <a:lstStyle/>
+          <a:p>
+            <a:r>
+              <a:rPr lang="en-US" dirty="0"/>
+              <a:t>Building Management</a:t>
+            </a:r>
+          </a:p>
+        </p:txBody>
+      </p:sp>
+      <p:sp>
+        <p:nvSpPr>
+          <p:cNvPr id="3" name="Text Placeholder 2">
+            <a:extLst>
+              <a:ext uri="{FF2B5EF4-FFF2-40B4-BE49-F238E27FC236}">
+                <a16:creationId xmlns:a16="http://schemas.microsoft.com/office/drawing/2014/main" id="{3AD7779D-A3FB-47CC-9974-1DB8DB58A4C1}"/>
+              </a:ext>
+            </a:extLst>
+          </p:cNvPr>
+          <p:cNvSpPr>
+            <a:spLocks noGrp="1"/>
+          </p:cNvSpPr>
+          <p:nvPr>
+            <p:ph type="body" idx="1"/>
+          </p:nvPr>
+        </p:nvSpPr>
+        <p:spPr/>
+        <p:txBody>
+          <a:bodyPr>
+            <a:normAutofit/>
+          </a:bodyPr>
+          <a:lstStyle/>
+          <a:p>
+            <a:r>
+              <a:rPr lang="en-US" sz="2400" dirty="0"/>
+              <a:t>Big Data</a:t>
+            </a:r>
+          </a:p>
+        </p:txBody>
+      </p:sp>
+      <p:sp>
+        <p:nvSpPr>
+          <p:cNvPr id="4" name="Content Placeholder 3">
+            <a:extLst>
+              <a:ext uri="{FF2B5EF4-FFF2-40B4-BE49-F238E27FC236}">
+                <a16:creationId xmlns:a16="http://schemas.microsoft.com/office/drawing/2014/main" id="{25B4ACCB-553F-46A3-94B9-5AE8BF89F196}"/>
+              </a:ext>
+            </a:extLst>
+          </p:cNvPr>
+          <p:cNvSpPr>
+            <a:spLocks noGrp="1"/>
+          </p:cNvSpPr>
+          <p:nvPr>
+            <p:ph sz="half" idx="2"/>
+          </p:nvPr>
+        </p:nvSpPr>
+        <p:spPr/>
+        <p:txBody>
+          <a:bodyPr/>
+          <a:lstStyle/>
           <a:p>
             <a:pPr>
               <a:buClr>
@@ -8306,15 +7696,185 @@
             </a:pPr>
             <a:r>
               <a:rPr lang="en-US" dirty="0"/>
-              <a:t> Sustainability – Reduce Carbon Footprint</a:t>
-            </a:r>
+              <a:t>Multi-tenant Office Space </a:t>
+            </a:r>
+          </a:p>
+          <a:p>
+            <a:pPr>
+              <a:buClr>
+                <a:schemeClr val="tx1">
+                  <a:lumMod val="75000"/>
+                  <a:lumOff val="25000"/>
+                </a:schemeClr>
+              </a:buClr>
+              <a:buFont typeface="Wingdings" panose="05000000000000000000" pitchFamily="2" charset="2"/>
+              <a:buChar char="q"/>
+            </a:pPr>
+            <a:r>
+              <a:rPr lang="en-US" dirty="0"/>
+              <a:t>Single Source – Over 30 Floors</a:t>
+            </a:r>
+          </a:p>
+          <a:p>
+            <a:pPr>
+              <a:buClr>
+                <a:schemeClr val="tx1">
+                  <a:lumMod val="75000"/>
+                  <a:lumOff val="25000"/>
+                </a:schemeClr>
+              </a:buClr>
+              <a:buFont typeface="Wingdings" panose="05000000000000000000" pitchFamily="2" charset="2"/>
+              <a:buChar char="q"/>
+            </a:pPr>
+            <a:r>
+              <a:rPr lang="en-US" dirty="0"/>
+              <a:t>Million Rows Of Key Card Data</a:t>
+            </a:r>
+          </a:p>
+          <a:p>
+            <a:pPr>
+              <a:buClr>
+                <a:schemeClr val="tx1">
+                  <a:lumMod val="75000"/>
+                  <a:lumOff val="25000"/>
+                </a:schemeClr>
+              </a:buClr>
+              <a:buFont typeface="Wingdings" panose="05000000000000000000" pitchFamily="2" charset="2"/>
+              <a:buChar char="q"/>
+            </a:pPr>
+            <a:r>
+              <a:rPr lang="en-US" dirty="0"/>
+              <a:t>Single Year</a:t>
+            </a:r>
+          </a:p>
+          <a:p>
+            <a:endParaRPr lang="en-US" dirty="0"/>
+          </a:p>
+        </p:txBody>
+      </p:sp>
+      <p:sp>
+        <p:nvSpPr>
+          <p:cNvPr id="5" name="Text Placeholder 4">
+            <a:extLst>
+              <a:ext uri="{FF2B5EF4-FFF2-40B4-BE49-F238E27FC236}">
+                <a16:creationId xmlns:a16="http://schemas.microsoft.com/office/drawing/2014/main" id="{92F5293A-A9A7-4839-8421-C88493F28843}"/>
+              </a:ext>
+            </a:extLst>
+          </p:cNvPr>
+          <p:cNvSpPr>
+            <a:spLocks noGrp="1"/>
+          </p:cNvSpPr>
+          <p:nvPr>
+            <p:ph type="body" sz="quarter" idx="3"/>
+          </p:nvPr>
+        </p:nvSpPr>
+        <p:spPr/>
+        <p:txBody>
+          <a:bodyPr>
+            <a:normAutofit/>
+          </a:bodyPr>
+          <a:lstStyle/>
+          <a:p>
+            <a:r>
+              <a:rPr lang="en-US" sz="2400" dirty="0"/>
+              <a:t>strategy</a:t>
+            </a:r>
+          </a:p>
+        </p:txBody>
+      </p:sp>
+      <p:sp>
+        <p:nvSpPr>
+          <p:cNvPr id="6" name="Content Placeholder 5">
+            <a:extLst>
+              <a:ext uri="{FF2B5EF4-FFF2-40B4-BE49-F238E27FC236}">
+                <a16:creationId xmlns:a16="http://schemas.microsoft.com/office/drawing/2014/main" id="{E04E26E8-C55E-4EE6-BA1D-09998FBD59C2}"/>
+              </a:ext>
+            </a:extLst>
+          </p:cNvPr>
+          <p:cNvSpPr>
+            <a:spLocks noGrp="1"/>
+          </p:cNvSpPr>
+          <p:nvPr>
+            <p:ph sz="quarter" idx="4"/>
+          </p:nvPr>
+        </p:nvSpPr>
+        <p:spPr/>
+        <p:txBody>
+          <a:bodyPr/>
+          <a:lstStyle/>
+          <a:p>
+            <a:pPr>
+              <a:buClr>
+                <a:schemeClr val="tx1">
+                  <a:lumMod val="75000"/>
+                  <a:lumOff val="25000"/>
+                </a:schemeClr>
+              </a:buClr>
+              <a:buFont typeface="Wingdings" panose="05000000000000000000" pitchFamily="2" charset="2"/>
+              <a:buChar char="q"/>
+            </a:pPr>
+            <a:r>
+              <a:rPr lang="en-US" dirty="0"/>
+              <a:t>Study Tenant Utilization</a:t>
+            </a:r>
+          </a:p>
+          <a:p>
+            <a:pPr>
+              <a:buClr>
+                <a:schemeClr val="tx1">
+                  <a:lumMod val="75000"/>
+                  <a:lumOff val="25000"/>
+                </a:schemeClr>
+              </a:buClr>
+              <a:buFont typeface="Wingdings" panose="05000000000000000000" pitchFamily="2" charset="2"/>
+              <a:buChar char="q"/>
+            </a:pPr>
+            <a:r>
+              <a:rPr lang="en-US" dirty="0"/>
+              <a:t>Predict Occupancy Rates</a:t>
+            </a:r>
+          </a:p>
+          <a:p>
+            <a:pPr>
+              <a:buClr>
+                <a:schemeClr val="tx1">
+                  <a:lumMod val="75000"/>
+                  <a:lumOff val="25000"/>
+                </a:schemeClr>
+              </a:buClr>
+              <a:buFont typeface="Wingdings" panose="05000000000000000000" pitchFamily="2" charset="2"/>
+              <a:buChar char="q"/>
+            </a:pPr>
+            <a:r>
+              <a:rPr lang="en-US" dirty="0"/>
+              <a:t>Breakdown by Hour of the Day</a:t>
+            </a:r>
+          </a:p>
+          <a:p>
+            <a:pPr>
+              <a:buClr>
+                <a:schemeClr val="tx1">
+                  <a:lumMod val="75000"/>
+                  <a:lumOff val="25000"/>
+                </a:schemeClr>
+              </a:buClr>
+              <a:buFont typeface="Wingdings" panose="05000000000000000000" pitchFamily="2" charset="2"/>
+              <a:buChar char="q"/>
+            </a:pPr>
+            <a:r>
+              <a:rPr lang="en-US" dirty="0"/>
+              <a:t>Use Data to Gain Efficiencies</a:t>
+            </a:r>
+          </a:p>
+          <a:p>
+            <a:endParaRPr lang="en-US" dirty="0"/>
           </a:p>
         </p:txBody>
       </p:sp>
     </p:spTree>
     <p:extLst>
       <p:ext uri="{BB962C8B-B14F-4D97-AF65-F5344CB8AC3E}">
-        <p14:creationId xmlns:p14="http://schemas.microsoft.com/office/powerpoint/2010/main" val="2299810703"/>
+        <p14:creationId xmlns:p14="http://schemas.microsoft.com/office/powerpoint/2010/main" val="3080092764"/>
       </p:ext>
     </p:extLst>
   </p:cSld>
@@ -8324,7 +7884,7 @@
 </p:sld>
 </file>
 
-<file path=ppt/slides/slide4.xml><?xml version="1.0" encoding="utf-8"?>
+<file path=ppt/slides/slide3.xml><?xml version="1.0" encoding="utf-8"?>
 <p:sld xmlns:a="http://schemas.openxmlformats.org/drawingml/2006/main" xmlns:r="http://schemas.openxmlformats.org/officeDocument/2006/relationships" xmlns:p="http://schemas.openxmlformats.org/presentationml/2006/main">
   <p:cSld>
     <p:spTree>
@@ -8393,7 +7953,7 @@
           <a:lstStyle/>
           <a:p>
             <a:r>
-              <a:rPr lang="en-US" sz="2800" dirty="0"/>
+              <a:rPr lang="en-US" sz="2400" dirty="0"/>
               <a:t>Dummy for testing</a:t>
             </a:r>
           </a:p>
@@ -8544,7 +8104,7 @@
           <a:lstStyle/>
           <a:p>
             <a:r>
-              <a:rPr lang="en-US" sz="2800" dirty="0"/>
+              <a:rPr lang="en-US" sz="2400" dirty="0"/>
               <a:t>Sample for training</a:t>
             </a:r>
           </a:p>
@@ -8664,227 +8224,7 @@
 </p:sld>
 </file>
 
-<file path=ppt/slides/slide5.xml><?xml version="1.0" encoding="utf-8"?>
-<p:sld xmlns:a="http://schemas.openxmlformats.org/drawingml/2006/main" xmlns:r="http://schemas.openxmlformats.org/officeDocument/2006/relationships" xmlns:p="http://schemas.openxmlformats.org/presentationml/2006/main">
-  <p:cSld>
-    <p:spTree>
-      <p:nvGrpSpPr>
-        <p:cNvPr id="1" name=""/>
-        <p:cNvGrpSpPr/>
-        <p:nvPr/>
-      </p:nvGrpSpPr>
-      <p:grpSpPr>
-        <a:xfrm>
-          <a:off x="0" y="0"/>
-          <a:ext cx="0" cy="0"/>
-          <a:chOff x="0" y="0"/>
-          <a:chExt cx="0" cy="0"/>
-        </a:xfrm>
-      </p:grpSpPr>
-      <p:sp>
-        <p:nvSpPr>
-          <p:cNvPr id="2" name="Title 1">
-            <a:extLst>
-              <a:ext uri="{FF2B5EF4-FFF2-40B4-BE49-F238E27FC236}">
-                <a16:creationId xmlns:a16="http://schemas.microsoft.com/office/drawing/2014/main" id="{4889DBAE-8D39-4860-96DC-083EBFD493E3}"/>
-              </a:ext>
-            </a:extLst>
-          </p:cNvPr>
-          <p:cNvSpPr>
-            <a:spLocks noGrp="1"/>
-          </p:cNvSpPr>
-          <p:nvPr>
-            <p:ph type="title"/>
-          </p:nvPr>
-        </p:nvSpPr>
-        <p:spPr/>
-        <p:txBody>
-          <a:bodyPr/>
-          <a:lstStyle/>
-          <a:p>
-            <a:pPr algn="ctr"/>
-            <a:r>
-              <a:rPr lang="en-US" sz="4800" dirty="0"/>
-              <a:t>Data</a:t>
-            </a:r>
-            <a:br>
-              <a:rPr lang="en-US" sz="4800" dirty="0"/>
-            </a:br>
-            <a:endParaRPr lang="en-US" dirty="0"/>
-          </a:p>
-        </p:txBody>
-      </p:sp>
-      <p:sp>
-        <p:nvSpPr>
-          <p:cNvPr id="3" name="Text Placeholder 2">
-            <a:extLst>
-              <a:ext uri="{FF2B5EF4-FFF2-40B4-BE49-F238E27FC236}">
-                <a16:creationId xmlns:a16="http://schemas.microsoft.com/office/drawing/2014/main" id="{480EEE90-32C2-4362-A315-EA0F4994364E}"/>
-              </a:ext>
-            </a:extLst>
-          </p:cNvPr>
-          <p:cNvSpPr>
-            <a:spLocks noGrp="1"/>
-          </p:cNvSpPr>
-          <p:nvPr>
-            <p:ph type="body" idx="1"/>
-          </p:nvPr>
-        </p:nvSpPr>
-        <p:spPr>
-          <a:xfrm>
-            <a:off x="701337" y="2057400"/>
-            <a:ext cx="9925234" cy="736282"/>
-          </a:xfrm>
-        </p:spPr>
-        <p:txBody>
-          <a:bodyPr>
-            <a:normAutofit/>
-          </a:bodyPr>
-          <a:lstStyle/>
-          <a:p>
-            <a:pPr algn="ctr"/>
-            <a:r>
-              <a:rPr lang="en-US" sz="2400" dirty="0"/>
-              <a:t>DATABASE</a:t>
-            </a:r>
-          </a:p>
-        </p:txBody>
-      </p:sp>
-      <p:sp>
-        <p:nvSpPr>
-          <p:cNvPr id="4" name="Content Placeholder 3">
-            <a:extLst>
-              <a:ext uri="{FF2B5EF4-FFF2-40B4-BE49-F238E27FC236}">
-                <a16:creationId xmlns:a16="http://schemas.microsoft.com/office/drawing/2014/main" id="{632D088E-C8F3-4C26-AE97-3BBA814E59AE}"/>
-              </a:ext>
-            </a:extLst>
-          </p:cNvPr>
-          <p:cNvSpPr>
-            <a:spLocks noGrp="1"/>
-          </p:cNvSpPr>
-          <p:nvPr>
-            <p:ph sz="half" idx="2"/>
-          </p:nvPr>
-        </p:nvSpPr>
-        <p:spPr>
-          <a:xfrm>
-            <a:off x="763480" y="2958274"/>
-            <a:ext cx="9863090" cy="2910821"/>
-          </a:xfrm>
-        </p:spPr>
-        <p:txBody>
-          <a:bodyPr/>
-          <a:lstStyle/>
-          <a:p>
-            <a:pPr>
-              <a:buClr>
-                <a:schemeClr val="tx1">
-                  <a:lumMod val="75000"/>
-                  <a:lumOff val="25000"/>
-                </a:schemeClr>
-              </a:buClr>
-              <a:buFont typeface="Wingdings" panose="05000000000000000000" pitchFamily="2" charset="2"/>
-              <a:buChar char="q"/>
-            </a:pPr>
-            <a:r>
-              <a:rPr lang="en-US" dirty="0"/>
-              <a:t>SQLite database for portability</a:t>
-            </a:r>
-          </a:p>
-          <a:p>
-            <a:pPr>
-              <a:buClr>
-                <a:schemeClr val="tx1">
-                  <a:lumMod val="75000"/>
-                  <a:lumOff val="25000"/>
-                </a:schemeClr>
-              </a:buClr>
-              <a:buFont typeface="Wingdings" panose="05000000000000000000" pitchFamily="2" charset="2"/>
-              <a:buChar char="q"/>
-            </a:pPr>
-            <a:r>
-              <a:rPr lang="en-US" dirty="0"/>
-              <a:t>Dummy data</a:t>
-            </a:r>
-          </a:p>
-          <a:p>
-            <a:pPr>
-              <a:buClr>
-                <a:schemeClr val="tx1">
-                  <a:lumMod val="75000"/>
-                  <a:lumOff val="25000"/>
-                </a:schemeClr>
-              </a:buClr>
-              <a:buFont typeface="Wingdings" panose="05000000000000000000" pitchFamily="2" charset="2"/>
-              <a:buChar char="q"/>
-            </a:pPr>
-            <a:r>
-              <a:rPr lang="en-US" dirty="0"/>
-              <a:t>Tables</a:t>
-            </a:r>
-          </a:p>
-          <a:p>
-            <a:pPr>
-              <a:buClr>
-                <a:schemeClr val="tx1">
-                  <a:lumMod val="75000"/>
-                  <a:lumOff val="25000"/>
-                </a:schemeClr>
-              </a:buClr>
-              <a:buFont typeface="Wingdings" panose="05000000000000000000" pitchFamily="2" charset="2"/>
-              <a:buChar char="q"/>
-            </a:pPr>
-            <a:r>
-              <a:rPr lang="en-US" dirty="0"/>
-              <a:t>Extraction to csv</a:t>
-            </a:r>
-          </a:p>
-          <a:p>
-            <a:pPr>
-              <a:buClr>
-                <a:schemeClr val="tx1">
-                  <a:lumMod val="75000"/>
-                  <a:lumOff val="25000"/>
-                </a:schemeClr>
-              </a:buClr>
-              <a:buFont typeface="Wingdings" panose="05000000000000000000" pitchFamily="2" charset="2"/>
-              <a:buChar char="q"/>
-            </a:pPr>
-            <a:r>
-              <a:rPr lang="en-US" dirty="0"/>
-              <a:t>Complete data extraction </a:t>
-            </a:r>
-          </a:p>
-          <a:p>
-            <a:pPr>
-              <a:buFont typeface="Wingdings" panose="05000000000000000000" pitchFamily="2" charset="2"/>
-              <a:buChar char="q"/>
-            </a:pPr>
-            <a:endParaRPr lang="en-US" dirty="0"/>
-          </a:p>
-          <a:p>
-            <a:pPr>
-              <a:buFont typeface="Wingdings" panose="05000000000000000000" pitchFamily="2" charset="2"/>
-              <a:buChar char="q"/>
-            </a:pPr>
-            <a:endParaRPr lang="en-US" dirty="0"/>
-          </a:p>
-        </p:txBody>
-      </p:sp>
-    </p:spTree>
-    <p:extLst>
-      <p:ext uri="{BB962C8B-B14F-4D97-AF65-F5344CB8AC3E}">
-        <p14:creationId xmlns:p14="http://schemas.microsoft.com/office/powerpoint/2010/main" val="2964440979"/>
-      </p:ext>
-    </p:extLst>
-  </p:cSld>
-  <p:clrMapOvr>
-    <a:masterClrMapping/>
-  </p:clrMapOvr>
-</p:sld>
-</file>
-
-<file path=ppt/slides/slide6.xml><?xml version="1.0" encoding="utf-8"?>
+<file path=ppt/slides/slide4.xml><?xml version="1.0" encoding="utf-8"?>
 <p:sld xmlns:a="http://schemas.openxmlformats.org/drawingml/2006/main" xmlns:r="http://schemas.openxmlformats.org/officeDocument/2006/relationships" xmlns:p="http://schemas.openxmlformats.org/presentationml/2006/main">
   <p:cSld>
     <p:spTree>
@@ -9048,7 +8388,7 @@
 </p:sld>
 </file>
 
-<file path=ppt/slides/slide7.xml><?xml version="1.0" encoding="utf-8"?>
+<file path=ppt/slides/slide5.xml><?xml version="1.0" encoding="utf-8"?>
 <p:sld xmlns:a="http://schemas.openxmlformats.org/drawingml/2006/main" xmlns:r="http://schemas.openxmlformats.org/officeDocument/2006/relationships" xmlns:p="http://schemas.openxmlformats.org/presentationml/2006/main">
   <p:cSld>
     <p:spTree>
@@ -9611,7 +8951,7 @@
 </p:sld>
 </file>
 
-<file path=ppt/slides/slide8.xml><?xml version="1.0" encoding="utf-8"?>
+<file path=ppt/slides/slide6.xml><?xml version="1.0" encoding="utf-8"?>
 <p:sld xmlns:a="http://schemas.openxmlformats.org/drawingml/2006/main" xmlns:r="http://schemas.openxmlformats.org/officeDocument/2006/relationships" xmlns:p="http://schemas.openxmlformats.org/presentationml/2006/main">
   <p:cSld>
     <p:spTree>
@@ -9890,7 +9230,7 @@
 </p:sld>
 </file>
 
-<file path=ppt/slides/slide9.xml><?xml version="1.0" encoding="utf-8"?>
+<file path=ppt/slides/slide7.xml><?xml version="1.0" encoding="utf-8"?>
 <p:sld xmlns:a="http://schemas.openxmlformats.org/drawingml/2006/main" xmlns:r="http://schemas.openxmlformats.org/officeDocument/2006/relationships" xmlns:p="http://schemas.openxmlformats.org/presentationml/2006/main">
   <p:cSld>
     <p:spTree>
@@ -10095,6 +9435,395 @@
     <p:extLst>
       <p:ext uri="{BB962C8B-B14F-4D97-AF65-F5344CB8AC3E}">
         <p14:creationId xmlns:p14="http://schemas.microsoft.com/office/powerpoint/2010/main" val="3076754217"/>
+      </p:ext>
+    </p:extLst>
+  </p:cSld>
+  <p:clrMapOvr>
+    <a:masterClrMapping/>
+  </p:clrMapOvr>
+</p:sld>
+</file>
+
+<file path=ppt/slides/slide8.xml><?xml version="1.0" encoding="utf-8"?>
+<p:sld xmlns:a="http://schemas.openxmlformats.org/drawingml/2006/main" xmlns:r="http://schemas.openxmlformats.org/officeDocument/2006/relationships" xmlns:p="http://schemas.openxmlformats.org/presentationml/2006/main">
+  <p:cSld>
+    <p:spTree>
+      <p:nvGrpSpPr>
+        <p:cNvPr id="1" name=""/>
+        <p:cNvGrpSpPr/>
+        <p:nvPr/>
+      </p:nvGrpSpPr>
+      <p:grpSpPr>
+        <a:xfrm>
+          <a:off x="0" y="0"/>
+          <a:ext cx="0" cy="0"/>
+          <a:chOff x="0" y="0"/>
+          <a:chExt cx="0" cy="0"/>
+        </a:xfrm>
+      </p:grpSpPr>
+      <p:sp>
+        <p:nvSpPr>
+          <p:cNvPr id="2" name="Title 1">
+            <a:extLst>
+              <a:ext uri="{FF2B5EF4-FFF2-40B4-BE49-F238E27FC236}">
+                <a16:creationId xmlns:a16="http://schemas.microsoft.com/office/drawing/2014/main" id="{2EE050A2-3925-435C-AB75-4238254831AC}"/>
+              </a:ext>
+            </a:extLst>
+          </p:cNvPr>
+          <p:cNvSpPr>
+            <a:spLocks noGrp="1"/>
+          </p:cNvSpPr>
+          <p:nvPr>
+            <p:ph type="title"/>
+          </p:nvPr>
+        </p:nvSpPr>
+        <p:spPr/>
+        <p:txBody>
+          <a:bodyPr/>
+          <a:lstStyle/>
+          <a:p>
+            <a:r>
+              <a:rPr lang="en-US" dirty="0"/>
+              <a:t>Hourly Data: Visualizing the Trends</a:t>
+            </a:r>
+          </a:p>
+        </p:txBody>
+      </p:sp>
+      <p:sp>
+        <p:nvSpPr>
+          <p:cNvPr id="6" name="Content Placeholder 5">
+            <a:extLst>
+              <a:ext uri="{FF2B5EF4-FFF2-40B4-BE49-F238E27FC236}">
+                <a16:creationId xmlns:a16="http://schemas.microsoft.com/office/drawing/2014/main" id="{A0DA78A5-F160-4AFD-8A79-263B84D3AB06}"/>
+              </a:ext>
+            </a:extLst>
+          </p:cNvPr>
+          <p:cNvSpPr>
+            <a:spLocks noGrp="1"/>
+          </p:cNvSpPr>
+          <p:nvPr>
+            <p:ph sz="quarter" idx="4"/>
+          </p:nvPr>
+        </p:nvSpPr>
+        <p:spPr>
+          <a:xfrm>
+            <a:off x="6515944" y="2098623"/>
+            <a:ext cx="4639736" cy="3574209"/>
+          </a:xfrm>
+        </p:spPr>
+        <p:txBody>
+          <a:bodyPr/>
+          <a:lstStyle/>
+          <a:p>
+            <a:pPr>
+              <a:buClr>
+                <a:schemeClr val="tx1">
+                  <a:lumMod val="75000"/>
+                  <a:lumOff val="25000"/>
+                </a:schemeClr>
+              </a:buClr>
+              <a:buFont typeface="Wingdings" panose="05000000000000000000" pitchFamily="2" charset="2"/>
+              <a:buChar char="q"/>
+            </a:pPr>
+            <a:r>
+              <a:rPr lang="en-US" sz="2000" dirty="0"/>
+              <a:t>Jan 20, represents number of cards swiped on Sunday.</a:t>
+            </a:r>
+          </a:p>
+          <a:p>
+            <a:pPr>
+              <a:buClr>
+                <a:schemeClr val="tx1">
+                  <a:lumMod val="75000"/>
+                  <a:lumOff val="25000"/>
+                </a:schemeClr>
+              </a:buClr>
+              <a:buFont typeface="Wingdings" panose="05000000000000000000" pitchFamily="2" charset="2"/>
+              <a:buChar char="q"/>
+            </a:pPr>
+            <a:r>
+              <a:rPr lang="en-US" sz="2000" dirty="0"/>
+              <a:t>Jan 21, represents number of cards swiped on Monday.</a:t>
+            </a:r>
+          </a:p>
+          <a:p>
+            <a:pPr>
+              <a:buClr>
+                <a:schemeClr val="tx1">
+                  <a:lumMod val="75000"/>
+                  <a:lumOff val="25000"/>
+                </a:schemeClr>
+              </a:buClr>
+              <a:buFont typeface="Wingdings" panose="05000000000000000000" pitchFamily="2" charset="2"/>
+              <a:buChar char="q"/>
+            </a:pPr>
+            <a:r>
+              <a:rPr lang="en-US" sz="2000" dirty="0"/>
+              <a:t>As we can see there is vast difference between two which is expected. </a:t>
+            </a:r>
+          </a:p>
+          <a:p>
+            <a:endParaRPr lang="en-US" dirty="0"/>
+          </a:p>
+        </p:txBody>
+      </p:sp>
+      <p:pic>
+        <p:nvPicPr>
+          <p:cNvPr id="13" name="Content Placeholder 12">
+            <a:extLst>
+              <a:ext uri="{FF2B5EF4-FFF2-40B4-BE49-F238E27FC236}">
+                <a16:creationId xmlns:a16="http://schemas.microsoft.com/office/drawing/2014/main" id="{91A897F0-839A-4B8F-A9AE-0A1C07CEFFC1}"/>
+              </a:ext>
+            </a:extLst>
+          </p:cNvPr>
+          <p:cNvPicPr>
+            <a:picLocks noGrp="1" noChangeAspect="1"/>
+          </p:cNvPicPr>
+          <p:nvPr>
+            <p:ph sz="half" idx="2"/>
+          </p:nvPr>
+        </p:nvPicPr>
+        <p:blipFill>
+          <a:blip r:embed="rId2">
+            <a:extLst>
+              <a:ext uri="{28A0092B-C50C-407E-A947-70E740481C1C}">
+                <a14:useLocalDpi xmlns:a14="http://schemas.microsoft.com/office/drawing/2010/main" val="0"/>
+              </a:ext>
+            </a:extLst>
+          </a:blip>
+          <a:stretch>
+            <a:fillRect/>
+          </a:stretch>
+        </p:blipFill>
+        <p:spPr>
+          <a:xfrm>
+            <a:off x="1036320" y="1953087"/>
+            <a:ext cx="5169607" cy="3719746"/>
+          </a:xfrm>
+        </p:spPr>
+      </p:pic>
+    </p:spTree>
+    <p:extLst>
+      <p:ext uri="{BB962C8B-B14F-4D97-AF65-F5344CB8AC3E}">
+        <p14:creationId xmlns:p14="http://schemas.microsoft.com/office/powerpoint/2010/main" val="1598100285"/>
+      </p:ext>
+    </p:extLst>
+  </p:cSld>
+  <p:clrMapOvr>
+    <a:masterClrMapping/>
+  </p:clrMapOvr>
+</p:sld>
+</file>
+
+<file path=ppt/slides/slide9.xml><?xml version="1.0" encoding="utf-8"?>
+<p:sld xmlns:a="http://schemas.openxmlformats.org/drawingml/2006/main" xmlns:r="http://schemas.openxmlformats.org/officeDocument/2006/relationships" xmlns:p="http://schemas.openxmlformats.org/presentationml/2006/main">
+  <p:cSld>
+    <p:spTree>
+      <p:nvGrpSpPr>
+        <p:cNvPr id="1" name=""/>
+        <p:cNvGrpSpPr/>
+        <p:nvPr/>
+      </p:nvGrpSpPr>
+      <p:grpSpPr>
+        <a:xfrm>
+          <a:off x="0" y="0"/>
+          <a:ext cx="0" cy="0"/>
+          <a:chOff x="0" y="0"/>
+          <a:chExt cx="0" cy="0"/>
+        </a:xfrm>
+      </p:grpSpPr>
+      <p:sp>
+        <p:nvSpPr>
+          <p:cNvPr id="2" name="Title 1">
+            <a:extLst>
+              <a:ext uri="{FF2B5EF4-FFF2-40B4-BE49-F238E27FC236}">
+                <a16:creationId xmlns:a16="http://schemas.microsoft.com/office/drawing/2014/main" id="{2EE050A2-3925-435C-AB75-4238254831AC}"/>
+              </a:ext>
+            </a:extLst>
+          </p:cNvPr>
+          <p:cNvSpPr>
+            <a:spLocks noGrp="1"/>
+          </p:cNvSpPr>
+          <p:nvPr>
+            <p:ph type="title"/>
+          </p:nvPr>
+        </p:nvSpPr>
+        <p:spPr/>
+        <p:txBody>
+          <a:bodyPr/>
+          <a:lstStyle/>
+          <a:p>
+            <a:pPr algn="ctr"/>
+            <a:r>
+              <a:rPr lang="en-US" dirty="0"/>
+              <a:t>Box Plot: Entry Data Observations</a:t>
+            </a:r>
+          </a:p>
+        </p:txBody>
+      </p:sp>
+      <p:sp>
+        <p:nvSpPr>
+          <p:cNvPr id="3" name="Text Placeholder 2">
+            <a:extLst>
+              <a:ext uri="{FF2B5EF4-FFF2-40B4-BE49-F238E27FC236}">
+                <a16:creationId xmlns:a16="http://schemas.microsoft.com/office/drawing/2014/main" id="{0599F800-8E46-4F9A-A55C-EEB1694FE267}"/>
+              </a:ext>
+            </a:extLst>
+          </p:cNvPr>
+          <p:cNvSpPr>
+            <a:spLocks noGrp="1"/>
+          </p:cNvSpPr>
+          <p:nvPr>
+            <p:ph type="body" idx="1"/>
+          </p:nvPr>
+        </p:nvSpPr>
+        <p:spPr/>
+        <p:txBody>
+          <a:bodyPr/>
+          <a:lstStyle/>
+          <a:p>
+            <a:endParaRPr lang="en-US" dirty="0"/>
+          </a:p>
+        </p:txBody>
+      </p:sp>
+      <p:sp>
+        <p:nvSpPr>
+          <p:cNvPr id="6" name="Content Placeholder 5">
+            <a:extLst>
+              <a:ext uri="{FF2B5EF4-FFF2-40B4-BE49-F238E27FC236}">
+                <a16:creationId xmlns:a16="http://schemas.microsoft.com/office/drawing/2014/main" id="{A0DA78A5-F160-4AFD-8A79-263B84D3AB06}"/>
+              </a:ext>
+            </a:extLst>
+          </p:cNvPr>
+          <p:cNvSpPr>
+            <a:spLocks noGrp="1"/>
+          </p:cNvSpPr>
+          <p:nvPr>
+            <p:ph sz="quarter" idx="4"/>
+          </p:nvPr>
+        </p:nvSpPr>
+        <p:spPr>
+          <a:xfrm>
+            <a:off x="6095999" y="1933732"/>
+            <a:ext cx="5371475" cy="3935258"/>
+          </a:xfrm>
+        </p:spPr>
+        <p:txBody>
+          <a:bodyPr>
+            <a:normAutofit/>
+          </a:bodyPr>
+          <a:lstStyle/>
+          <a:p>
+            <a:pPr>
+              <a:buClr>
+                <a:schemeClr val="tx1">
+                  <a:lumMod val="75000"/>
+                  <a:lumOff val="25000"/>
+                </a:schemeClr>
+              </a:buClr>
+              <a:buFont typeface="Wingdings" panose="05000000000000000000" pitchFamily="2" charset="2"/>
+              <a:buChar char="q"/>
+            </a:pPr>
+            <a:r>
+              <a:rPr lang="en-US" sz="1600" dirty="0"/>
+              <a:t>We can see from the box plot during wee hours, cards swiped are very low and we get very narrow box plots.</a:t>
+            </a:r>
+          </a:p>
+          <a:p>
+            <a:pPr>
+              <a:buClr>
+                <a:schemeClr val="tx1">
+                  <a:lumMod val="75000"/>
+                  <a:lumOff val="25000"/>
+                </a:schemeClr>
+              </a:buClr>
+              <a:buFont typeface="Wingdings" panose="05000000000000000000" pitchFamily="2" charset="2"/>
+              <a:buChar char="q"/>
+            </a:pPr>
+            <a:r>
+              <a:rPr lang="en-US" sz="1600" dirty="0"/>
+              <a:t>From 6:00 am onwards cards swiped start going up, which is expected as people start showing up for work. Between 8:00 am and 9:00 am maximum cards are swiped.</a:t>
+            </a:r>
+          </a:p>
+          <a:p>
+            <a:pPr>
+              <a:buClr>
+                <a:schemeClr val="tx1">
+                  <a:lumMod val="75000"/>
+                  <a:lumOff val="25000"/>
+                </a:schemeClr>
+              </a:buClr>
+              <a:buFont typeface="Wingdings" panose="05000000000000000000" pitchFamily="2" charset="2"/>
+              <a:buChar char="q"/>
+            </a:pPr>
+            <a:r>
+              <a:rPr lang="en-US" sz="1600" dirty="0"/>
+              <a:t>You will again see spike in number of cards swiped around lunch time. </a:t>
+            </a:r>
+          </a:p>
+          <a:p>
+            <a:pPr>
+              <a:buClr>
+                <a:schemeClr val="tx1">
+                  <a:lumMod val="75000"/>
+                  <a:lumOff val="25000"/>
+                </a:schemeClr>
+              </a:buClr>
+              <a:buFont typeface="Wingdings" panose="05000000000000000000" pitchFamily="2" charset="2"/>
+              <a:buChar char="q"/>
+            </a:pPr>
+            <a:r>
+              <a:rPr lang="en-US" sz="1600" dirty="0"/>
+              <a:t>During busy hours you will see larger box plots and IQR, and median value higher then mean suggesting skewed distribution. This is due to the fact that less number of cards are swiped on weekend and holiday. </a:t>
+            </a:r>
+          </a:p>
+          <a:p>
+            <a:endParaRPr lang="en-US" sz="1600" dirty="0"/>
+          </a:p>
+          <a:p>
+            <a:endParaRPr lang="en-US" dirty="0"/>
+          </a:p>
+        </p:txBody>
+      </p:sp>
+      <p:pic>
+        <p:nvPicPr>
+          <p:cNvPr id="9" name="Content Placeholder 8">
+            <a:extLst>
+              <a:ext uri="{FF2B5EF4-FFF2-40B4-BE49-F238E27FC236}">
+                <a16:creationId xmlns:a16="http://schemas.microsoft.com/office/drawing/2014/main" id="{88E14508-E3C4-40F4-B4BA-7604B507A711}"/>
+              </a:ext>
+            </a:extLst>
+          </p:cNvPr>
+          <p:cNvPicPr>
+            <a:picLocks noGrp="1" noChangeAspect="1"/>
+          </p:cNvPicPr>
+          <p:nvPr>
+            <p:ph sz="half" idx="2"/>
+          </p:nvPr>
+        </p:nvPicPr>
+        <p:blipFill>
+          <a:blip r:embed="rId2">
+            <a:extLst>
+              <a:ext uri="{28A0092B-C50C-407E-A947-70E740481C1C}">
+                <a14:useLocalDpi xmlns:a14="http://schemas.microsoft.com/office/drawing/2010/main" val="0"/>
+              </a:ext>
+            </a:extLst>
+          </a:blip>
+          <a:stretch>
+            <a:fillRect/>
+          </a:stretch>
+        </p:blipFill>
+        <p:spPr>
+          <a:xfrm>
+            <a:off x="724525" y="1737360"/>
+            <a:ext cx="5371475" cy="4131629"/>
+          </a:xfrm>
+        </p:spPr>
+      </p:pic>
+    </p:spTree>
+    <p:extLst>
+      <p:ext uri="{BB962C8B-B14F-4D97-AF65-F5344CB8AC3E}">
+        <p14:creationId xmlns:p14="http://schemas.microsoft.com/office/powerpoint/2010/main" val="2172320791"/>
       </p:ext>
     </p:extLst>
   </p:cSld>
